--- a/docs/cartes-a-jouer.pptx
+++ b/docs/cartes-a-jouer.pptx
@@ -6,6 +6,7 @@
   </p:sldMasterIdLst>
   <p:sldIdLst>
     <p:sldId id="256" r:id="rId2"/>
+    <p:sldId id="257" r:id="rId3"/>
   </p:sldIdLst>
   <p:sldSz cx="12192000" cy="6858000"/>
   <p:notesSz cx="6888163" cy="10020300"/>
@@ -104,6 +105,11 @@
       </a:defRPr>
     </a:lvl9pPr>
   </p:defaultTextStyle>
+  <p:extLst>
+    <p:ext uri="{EFAFB233-063F-42B5-8137-9DF3F51BA10A}">
+      <p15:sldGuideLst xmlns:p15="http://schemas.microsoft.com/office/powerpoint/2012/main"/>
+    </p:ext>
+  </p:extLst>
 </p:presentation>
 </file>
 
@@ -254,7 +260,7 @@
           <a:p>
             <a:fld id="{588505E2-0C4C-443F-8F57-41958F504CA2}" type="datetimeFigureOut">
               <a:rPr lang="fr-FR" smtClean="0"/>
-              <a:t>07/02/2026</a:t>
+              <a:t>08/02/2026</a:t>
             </a:fld>
             <a:endParaRPr lang="fr-FR"/>
           </a:p>
@@ -452,7 +458,7 @@
           <a:p>
             <a:fld id="{588505E2-0C4C-443F-8F57-41958F504CA2}" type="datetimeFigureOut">
               <a:rPr lang="fr-FR" smtClean="0"/>
-              <a:t>07/02/2026</a:t>
+              <a:t>08/02/2026</a:t>
             </a:fld>
             <a:endParaRPr lang="fr-FR"/>
           </a:p>
@@ -660,7 +666,7 @@
           <a:p>
             <a:fld id="{588505E2-0C4C-443F-8F57-41958F504CA2}" type="datetimeFigureOut">
               <a:rPr lang="fr-FR" smtClean="0"/>
-              <a:t>07/02/2026</a:t>
+              <a:t>08/02/2026</a:t>
             </a:fld>
             <a:endParaRPr lang="fr-FR"/>
           </a:p>
@@ -858,7 +864,7 @@
           <a:p>
             <a:fld id="{588505E2-0C4C-443F-8F57-41958F504CA2}" type="datetimeFigureOut">
               <a:rPr lang="fr-FR" smtClean="0"/>
-              <a:t>07/02/2026</a:t>
+              <a:t>08/02/2026</a:t>
             </a:fld>
             <a:endParaRPr lang="fr-FR"/>
           </a:p>
@@ -1133,7 +1139,7 @@
           <a:p>
             <a:fld id="{588505E2-0C4C-443F-8F57-41958F504CA2}" type="datetimeFigureOut">
               <a:rPr lang="fr-FR" smtClean="0"/>
-              <a:t>07/02/2026</a:t>
+              <a:t>08/02/2026</a:t>
             </a:fld>
             <a:endParaRPr lang="fr-FR"/>
           </a:p>
@@ -1398,7 +1404,7 @@
           <a:p>
             <a:fld id="{588505E2-0C4C-443F-8F57-41958F504CA2}" type="datetimeFigureOut">
               <a:rPr lang="fr-FR" smtClean="0"/>
-              <a:t>07/02/2026</a:t>
+              <a:t>08/02/2026</a:t>
             </a:fld>
             <a:endParaRPr lang="fr-FR"/>
           </a:p>
@@ -1810,7 +1816,7 @@
           <a:p>
             <a:fld id="{588505E2-0C4C-443F-8F57-41958F504CA2}" type="datetimeFigureOut">
               <a:rPr lang="fr-FR" smtClean="0"/>
-              <a:t>07/02/2026</a:t>
+              <a:t>08/02/2026</a:t>
             </a:fld>
             <a:endParaRPr lang="fr-FR"/>
           </a:p>
@@ -1951,7 +1957,7 @@
           <a:p>
             <a:fld id="{588505E2-0C4C-443F-8F57-41958F504CA2}" type="datetimeFigureOut">
               <a:rPr lang="fr-FR" smtClean="0"/>
-              <a:t>07/02/2026</a:t>
+              <a:t>08/02/2026</a:t>
             </a:fld>
             <a:endParaRPr lang="fr-FR"/>
           </a:p>
@@ -2064,7 +2070,7 @@
           <a:p>
             <a:fld id="{588505E2-0C4C-443F-8F57-41958F504CA2}" type="datetimeFigureOut">
               <a:rPr lang="fr-FR" smtClean="0"/>
-              <a:t>07/02/2026</a:t>
+              <a:t>08/02/2026</a:t>
             </a:fld>
             <a:endParaRPr lang="fr-FR"/>
           </a:p>
@@ -2375,7 +2381,7 @@
           <a:p>
             <a:fld id="{588505E2-0C4C-443F-8F57-41958F504CA2}" type="datetimeFigureOut">
               <a:rPr lang="fr-FR" smtClean="0"/>
-              <a:t>07/02/2026</a:t>
+              <a:t>08/02/2026</a:t>
             </a:fld>
             <a:endParaRPr lang="fr-FR"/>
           </a:p>
@@ -2663,7 +2669,7 @@
           <a:p>
             <a:fld id="{588505E2-0C4C-443F-8F57-41958F504CA2}" type="datetimeFigureOut">
               <a:rPr lang="fr-FR" smtClean="0"/>
-              <a:t>07/02/2026</a:t>
+              <a:t>08/02/2026</a:t>
             </a:fld>
             <a:endParaRPr lang="fr-FR"/>
           </a:p>
@@ -2904,7 +2910,7 @@
           <a:p>
             <a:fld id="{588505E2-0C4C-443F-8F57-41958F504CA2}" type="datetimeFigureOut">
               <a:rPr lang="fr-FR" smtClean="0"/>
-              <a:t>07/02/2026</a:t>
+              <a:t>08/02/2026</a:t>
             </a:fld>
             <a:endParaRPr lang="fr-FR"/>
           </a:p>
@@ -4276,6 +4282,3767 @@
     <p:extLst>
       <p:ext uri="{BB962C8B-B14F-4D97-AF65-F5344CB8AC3E}">
         <p14:creationId xmlns:p14="http://schemas.microsoft.com/office/powerpoint/2010/main" val="3060327318"/>
+      </p:ext>
+    </p:extLst>
+  </p:cSld>
+  <p:clrMapOvr>
+    <a:masterClrMapping/>
+  </p:clrMapOvr>
+</p:sld>
+</file>
+
+<file path=ppt/slides/slide2.xml><?xml version="1.0" encoding="utf-8"?>
+<p:sld xmlns:a="http://schemas.openxmlformats.org/drawingml/2006/main" xmlns:r="http://schemas.openxmlformats.org/officeDocument/2006/relationships" xmlns:p="http://schemas.openxmlformats.org/presentationml/2006/main">
+  <p:cSld>
+    <p:spTree>
+      <p:nvGrpSpPr>
+        <p:cNvPr id="1" name="">
+          <a:extLst>
+            <a:ext uri="{FF2B5EF4-FFF2-40B4-BE49-F238E27FC236}">
+              <a16:creationId xmlns:a16="http://schemas.microsoft.com/office/drawing/2014/main" id="{387247EB-398A-A11C-07D7-55774DC4DD6E}"/>
+            </a:ext>
+          </a:extLst>
+        </p:cNvPr>
+        <p:cNvGrpSpPr/>
+        <p:nvPr/>
+      </p:nvGrpSpPr>
+      <p:grpSpPr>
+        <a:xfrm>
+          <a:off x="0" y="0"/>
+          <a:ext cx="0" cy="0"/>
+          <a:chOff x="0" y="0"/>
+          <a:chExt cx="0" cy="0"/>
+        </a:xfrm>
+      </p:grpSpPr>
+      <p:sp>
+        <p:nvSpPr>
+          <p:cNvPr id="4" name="Rectangle 3">
+            <a:extLst>
+              <a:ext uri="{FF2B5EF4-FFF2-40B4-BE49-F238E27FC236}">
+                <a16:creationId xmlns:a16="http://schemas.microsoft.com/office/drawing/2014/main" id="{B87A8988-F607-92F3-6466-6CBA23FD2D20}"/>
+              </a:ext>
+            </a:extLst>
+          </p:cNvPr>
+          <p:cNvSpPr/>
+          <p:nvPr/>
+        </p:nvSpPr>
+        <p:spPr>
+          <a:xfrm>
+            <a:off x="736355" y="660726"/>
+            <a:ext cx="2124000" cy="3312000"/>
+          </a:xfrm>
+          <a:prstGeom prst="rect">
+            <a:avLst/>
+          </a:prstGeom>
+          <a:blipFill>
+            <a:blip r:embed="rId2"/>
+            <a:tile tx="0" ty="0" sx="100000" sy="100000" flip="none" algn="tl"/>
+          </a:blipFill>
+        </p:spPr>
+        <p:style>
+          <a:lnRef idx="2">
+            <a:schemeClr val="accent1">
+              <a:shade val="15000"/>
+            </a:schemeClr>
+          </a:lnRef>
+          <a:fillRef idx="1">
+            <a:schemeClr val="accent1"/>
+          </a:fillRef>
+          <a:effectRef idx="0">
+            <a:schemeClr val="accent1"/>
+          </a:effectRef>
+          <a:fontRef idx="minor">
+            <a:schemeClr val="lt1"/>
+          </a:fontRef>
+        </p:style>
+        <p:txBody>
+          <a:bodyPr rtlCol="0" anchor="ctr"/>
+          <a:lstStyle/>
+          <a:p>
+            <a:pPr algn="ctr"/>
+            <a:endParaRPr lang="fr-FR"/>
+          </a:p>
+        </p:txBody>
+      </p:sp>
+      <p:sp>
+        <p:nvSpPr>
+          <p:cNvPr id="5" name="Rectangle 4">
+            <a:extLst>
+              <a:ext uri="{FF2B5EF4-FFF2-40B4-BE49-F238E27FC236}">
+                <a16:creationId xmlns:a16="http://schemas.microsoft.com/office/drawing/2014/main" id="{97FB9630-C2D4-F6E8-DD89-5D5B70E26AEC}"/>
+              </a:ext>
+            </a:extLst>
+          </p:cNvPr>
+          <p:cNvSpPr/>
+          <p:nvPr/>
+        </p:nvSpPr>
+        <p:spPr>
+          <a:xfrm>
+            <a:off x="736355" y="659682"/>
+            <a:ext cx="2124000" cy="432000"/>
+          </a:xfrm>
+          <a:prstGeom prst="rect">
+            <a:avLst/>
+          </a:prstGeom>
+          <a:blipFill>
+            <a:blip r:embed="rId3">
+              <a:extLst>
+                <a:ext uri="{BEBA8EAE-BF5A-486C-A8C5-ECC9F3942E4B}">
+                  <a14:imgProps xmlns:a14="http://schemas.microsoft.com/office/drawing/2010/main">
+                    <a14:imgLayer r:embed="rId4">
+                      <a14:imgEffect>
+                        <a14:artisticWatercolorSponge/>
+                      </a14:imgEffect>
+                    </a14:imgLayer>
+                  </a14:imgProps>
+                </a:ext>
+              </a:extLst>
+            </a:blip>
+            <a:tile tx="0" ty="0" sx="100000" sy="100000" flip="none" algn="tl"/>
+          </a:blipFill>
+        </p:spPr>
+        <p:style>
+          <a:lnRef idx="2">
+            <a:schemeClr val="accent1">
+              <a:shade val="15000"/>
+            </a:schemeClr>
+          </a:lnRef>
+          <a:fillRef idx="1">
+            <a:schemeClr val="accent1"/>
+          </a:fillRef>
+          <a:effectRef idx="0">
+            <a:schemeClr val="accent1"/>
+          </a:effectRef>
+          <a:fontRef idx="minor">
+            <a:schemeClr val="lt1"/>
+          </a:fontRef>
+        </p:style>
+        <p:txBody>
+          <a:bodyPr rtlCol="0" anchor="ctr"/>
+          <a:lstStyle/>
+          <a:p>
+            <a:pPr algn="ctr"/>
+            <a:r>
+              <a:rPr lang="fr-FR" b="1" dirty="0">
+                <a:solidFill>
+                  <a:schemeClr val="tx1"/>
+                </a:solidFill>
+                <a:latin typeface="Segoe UI" panose="020B0502040204020203" pitchFamily="34" charset="0"/>
+                <a:cs typeface="Segoe UI" panose="020B0502040204020203" pitchFamily="34" charset="0"/>
+              </a:rPr>
+              <a:t>Déplacer Officier</a:t>
+            </a:r>
+          </a:p>
+        </p:txBody>
+      </p:sp>
+      <p:sp>
+        <p:nvSpPr>
+          <p:cNvPr id="7" name="Rectangle 6">
+            <a:extLst>
+              <a:ext uri="{FF2B5EF4-FFF2-40B4-BE49-F238E27FC236}">
+                <a16:creationId xmlns:a16="http://schemas.microsoft.com/office/drawing/2014/main" id="{6D10EAAC-3C9F-94E9-06EE-5557AF1E1DF2}"/>
+              </a:ext>
+            </a:extLst>
+          </p:cNvPr>
+          <p:cNvSpPr/>
+          <p:nvPr/>
+        </p:nvSpPr>
+        <p:spPr>
+          <a:xfrm>
+            <a:off x="1240355" y="1092030"/>
+            <a:ext cx="1620000" cy="1440000"/>
+          </a:xfrm>
+          <a:prstGeom prst="rect">
+            <a:avLst/>
+          </a:prstGeom>
+          <a:noFill/>
+          <a:ln>
+            <a:noFill/>
+          </a:ln>
+        </p:spPr>
+        <p:style>
+          <a:lnRef idx="2">
+            <a:schemeClr val="accent1">
+              <a:shade val="15000"/>
+            </a:schemeClr>
+          </a:lnRef>
+          <a:fillRef idx="1">
+            <a:schemeClr val="accent1"/>
+          </a:fillRef>
+          <a:effectRef idx="0">
+            <a:schemeClr val="accent1"/>
+          </a:effectRef>
+          <a:fontRef idx="minor">
+            <a:schemeClr val="lt1"/>
+          </a:fontRef>
+        </p:style>
+        <p:txBody>
+          <a:bodyPr rtlCol="0" anchor="ctr"/>
+          <a:lstStyle/>
+          <a:p>
+            <a:pPr algn="just"/>
+            <a:endParaRPr lang="fr-FR" sz="1200" dirty="0">
+              <a:solidFill>
+                <a:schemeClr val="tx1"/>
+              </a:solidFill>
+            </a:endParaRPr>
+          </a:p>
+          <a:p>
+            <a:pPr algn="just"/>
+            <a:endParaRPr lang="fr-FR" sz="1200" dirty="0">
+              <a:solidFill>
+                <a:schemeClr val="tx1"/>
+              </a:solidFill>
+            </a:endParaRPr>
+          </a:p>
+        </p:txBody>
+      </p:sp>
+      <p:sp>
+        <p:nvSpPr>
+          <p:cNvPr id="8" name="Rectangle 7">
+            <a:extLst>
+              <a:ext uri="{FF2B5EF4-FFF2-40B4-BE49-F238E27FC236}">
+                <a16:creationId xmlns:a16="http://schemas.microsoft.com/office/drawing/2014/main" id="{19F07750-E13C-2407-19AC-7FB7217A7D0B}"/>
+              </a:ext>
+            </a:extLst>
+          </p:cNvPr>
+          <p:cNvSpPr/>
+          <p:nvPr/>
+        </p:nvSpPr>
+        <p:spPr>
+          <a:xfrm>
+            <a:off x="736355" y="2532726"/>
+            <a:ext cx="2124000" cy="1440000"/>
+          </a:xfrm>
+          <a:prstGeom prst="rect">
+            <a:avLst/>
+          </a:prstGeom>
+          <a:noFill/>
+        </p:spPr>
+        <p:style>
+          <a:lnRef idx="2">
+            <a:schemeClr val="accent1">
+              <a:shade val="15000"/>
+            </a:schemeClr>
+          </a:lnRef>
+          <a:fillRef idx="1">
+            <a:schemeClr val="accent1"/>
+          </a:fillRef>
+          <a:effectRef idx="0">
+            <a:schemeClr val="accent1"/>
+          </a:effectRef>
+          <a:fontRef idx="minor">
+            <a:schemeClr val="lt1"/>
+          </a:fontRef>
+        </p:style>
+        <p:txBody>
+          <a:bodyPr rtlCol="0" anchor="ctr"/>
+          <a:lstStyle/>
+          <a:p>
+            <a:pPr algn="ctr"/>
+            <a:endParaRPr lang="fr-FR" sz="1200" dirty="0">
+              <a:solidFill>
+                <a:schemeClr val="tx1"/>
+              </a:solidFill>
+            </a:endParaRPr>
+          </a:p>
+        </p:txBody>
+      </p:sp>
+      <p:sp>
+        <p:nvSpPr>
+          <p:cNvPr id="13" name="Rectangle 12">
+            <a:extLst>
+              <a:ext uri="{FF2B5EF4-FFF2-40B4-BE49-F238E27FC236}">
+                <a16:creationId xmlns:a16="http://schemas.microsoft.com/office/drawing/2014/main" id="{D70A2357-058A-25B1-7D8F-A99274E53AA7}"/>
+              </a:ext>
+            </a:extLst>
+          </p:cNvPr>
+          <p:cNvSpPr/>
+          <p:nvPr/>
+        </p:nvSpPr>
+        <p:spPr>
+          <a:xfrm>
+            <a:off x="3274355" y="660726"/>
+            <a:ext cx="2124000" cy="3312000"/>
+          </a:xfrm>
+          <a:prstGeom prst="rect">
+            <a:avLst/>
+          </a:prstGeom>
+          <a:blipFill>
+            <a:blip r:embed="rId5"/>
+            <a:tile tx="0" ty="0" sx="100000" sy="100000" flip="none" algn="tl"/>
+          </a:blipFill>
+        </p:spPr>
+        <p:style>
+          <a:lnRef idx="2">
+            <a:schemeClr val="accent1">
+              <a:shade val="15000"/>
+            </a:schemeClr>
+          </a:lnRef>
+          <a:fillRef idx="1">
+            <a:schemeClr val="accent1"/>
+          </a:fillRef>
+          <a:effectRef idx="0">
+            <a:schemeClr val="accent1"/>
+          </a:effectRef>
+          <a:fontRef idx="minor">
+            <a:schemeClr val="lt1"/>
+          </a:fontRef>
+        </p:style>
+        <p:txBody>
+          <a:bodyPr rtlCol="0" anchor="ctr"/>
+          <a:lstStyle/>
+          <a:p>
+            <a:pPr algn="ctr"/>
+            <a:endParaRPr lang="fr-FR"/>
+          </a:p>
+        </p:txBody>
+      </p:sp>
+      <p:sp>
+        <p:nvSpPr>
+          <p:cNvPr id="14" name="Rectangle 13">
+            <a:extLst>
+              <a:ext uri="{FF2B5EF4-FFF2-40B4-BE49-F238E27FC236}">
+                <a16:creationId xmlns:a16="http://schemas.microsoft.com/office/drawing/2014/main" id="{7E38858E-DBA0-6321-5EAC-F7DDF7D12E1F}"/>
+              </a:ext>
+            </a:extLst>
+          </p:cNvPr>
+          <p:cNvSpPr/>
+          <p:nvPr/>
+        </p:nvSpPr>
+        <p:spPr>
+          <a:xfrm>
+            <a:off x="3280681" y="653647"/>
+            <a:ext cx="2124000" cy="432000"/>
+          </a:xfrm>
+          <a:prstGeom prst="rect">
+            <a:avLst/>
+          </a:prstGeom>
+          <a:blipFill>
+            <a:blip r:embed="rId6">
+              <a:extLst>
+                <a:ext uri="{BEBA8EAE-BF5A-486C-A8C5-ECC9F3942E4B}">
+                  <a14:imgProps xmlns:a14="http://schemas.microsoft.com/office/drawing/2010/main">
+                    <a14:imgLayer r:embed="rId7">
+                      <a14:imgEffect>
+                        <a14:artisticWatercolorSponge/>
+                      </a14:imgEffect>
+                    </a14:imgLayer>
+                  </a14:imgProps>
+                </a:ext>
+              </a:extLst>
+            </a:blip>
+            <a:tile tx="0" ty="0" sx="100000" sy="100000" flip="none" algn="tl"/>
+          </a:blipFill>
+        </p:spPr>
+        <p:style>
+          <a:lnRef idx="2">
+            <a:schemeClr val="accent1">
+              <a:shade val="15000"/>
+            </a:schemeClr>
+          </a:lnRef>
+          <a:fillRef idx="1">
+            <a:schemeClr val="accent1"/>
+          </a:fillRef>
+          <a:effectRef idx="0">
+            <a:schemeClr val="accent1"/>
+          </a:effectRef>
+          <a:fontRef idx="minor">
+            <a:schemeClr val="lt1"/>
+          </a:fontRef>
+        </p:style>
+        <p:txBody>
+          <a:bodyPr rtlCol="0" anchor="ctr"/>
+          <a:lstStyle/>
+          <a:p>
+            <a:pPr algn="ctr"/>
+            <a:r>
+              <a:rPr lang="fr-FR" b="1" dirty="0">
+                <a:solidFill>
+                  <a:schemeClr val="tx1"/>
+                </a:solidFill>
+                <a:latin typeface="Segoe UI" panose="020B0502040204020203" pitchFamily="34" charset="0"/>
+                <a:cs typeface="Segoe UI" panose="020B0502040204020203" pitchFamily="34" charset="0"/>
+              </a:rPr>
+              <a:t>Recruter Troupes</a:t>
+            </a:r>
+          </a:p>
+        </p:txBody>
+      </p:sp>
+      <p:sp>
+        <p:nvSpPr>
+          <p:cNvPr id="22" name="Rectangle 21">
+            <a:extLst>
+              <a:ext uri="{FF2B5EF4-FFF2-40B4-BE49-F238E27FC236}">
+                <a16:creationId xmlns:a16="http://schemas.microsoft.com/office/drawing/2014/main" id="{213F7B44-332F-9932-97FD-FE04556AA65F}"/>
+              </a:ext>
+            </a:extLst>
+          </p:cNvPr>
+          <p:cNvSpPr/>
+          <p:nvPr/>
+        </p:nvSpPr>
+        <p:spPr>
+          <a:xfrm>
+            <a:off x="3280681" y="2527234"/>
+            <a:ext cx="2124000" cy="1440000"/>
+          </a:xfrm>
+          <a:prstGeom prst="rect">
+            <a:avLst/>
+          </a:prstGeom>
+          <a:noFill/>
+        </p:spPr>
+        <p:style>
+          <a:lnRef idx="2">
+            <a:schemeClr val="accent1">
+              <a:shade val="15000"/>
+            </a:schemeClr>
+          </a:lnRef>
+          <a:fillRef idx="1">
+            <a:schemeClr val="accent1"/>
+          </a:fillRef>
+          <a:effectRef idx="0">
+            <a:schemeClr val="accent1"/>
+          </a:effectRef>
+          <a:fontRef idx="minor">
+            <a:schemeClr val="lt1"/>
+          </a:fontRef>
+        </p:style>
+        <p:txBody>
+          <a:bodyPr rtlCol="0" anchor="ctr"/>
+          <a:lstStyle/>
+          <a:p>
+            <a:pPr algn="ctr"/>
+            <a:endParaRPr lang="fr-FR" sz="1200" dirty="0">
+              <a:solidFill>
+                <a:schemeClr val="tx1"/>
+              </a:solidFill>
+            </a:endParaRPr>
+          </a:p>
+        </p:txBody>
+      </p:sp>
+      <p:sp>
+        <p:nvSpPr>
+          <p:cNvPr id="17" name="Ellipse 16">
+            <a:extLst>
+              <a:ext uri="{FF2B5EF4-FFF2-40B4-BE49-F238E27FC236}">
+                <a16:creationId xmlns:a16="http://schemas.microsoft.com/office/drawing/2014/main" id="{B81DB6A2-8640-87F3-FBC8-178D744AE747}"/>
+              </a:ext>
+            </a:extLst>
+          </p:cNvPr>
+          <p:cNvSpPr/>
+          <p:nvPr/>
+        </p:nvSpPr>
+        <p:spPr>
+          <a:xfrm>
+            <a:off x="4198681" y="2383039"/>
+            <a:ext cx="288000" cy="288000"/>
+          </a:xfrm>
+          <a:prstGeom prst="ellipse">
+            <a:avLst/>
+          </a:prstGeom>
+          <a:solidFill>
+            <a:schemeClr val="bg1"/>
+          </a:solidFill>
+          <a:ln>
+            <a:solidFill>
+              <a:schemeClr val="tx1"/>
+            </a:solidFill>
+          </a:ln>
+        </p:spPr>
+        <p:style>
+          <a:lnRef idx="2">
+            <a:schemeClr val="accent1">
+              <a:shade val="15000"/>
+            </a:schemeClr>
+          </a:lnRef>
+          <a:fillRef idx="1">
+            <a:schemeClr val="accent1"/>
+          </a:fillRef>
+          <a:effectRef idx="0">
+            <a:schemeClr val="accent1"/>
+          </a:effectRef>
+          <a:fontRef idx="minor">
+            <a:schemeClr val="lt1"/>
+          </a:fontRef>
+        </p:style>
+        <p:txBody>
+          <a:bodyPr lIns="0" tIns="0" rIns="0" bIns="0" rtlCol="0" anchor="ctr"/>
+          <a:lstStyle/>
+          <a:p>
+            <a:pPr algn="ctr"/>
+            <a:r>
+              <a:rPr lang="fr-FR" sz="1200" b="1" dirty="0">
+                <a:solidFill>
+                  <a:schemeClr val="tx1"/>
+                </a:solidFill>
+              </a:rPr>
+              <a:t>ou</a:t>
+            </a:r>
+          </a:p>
+        </p:txBody>
+      </p:sp>
+      <p:sp>
+        <p:nvSpPr>
+          <p:cNvPr id="9" name="Ellipse 8">
+            <a:extLst>
+              <a:ext uri="{FF2B5EF4-FFF2-40B4-BE49-F238E27FC236}">
+                <a16:creationId xmlns:a16="http://schemas.microsoft.com/office/drawing/2014/main" id="{DEBD2C37-1E8E-6227-6EC7-E6C2B914802A}"/>
+              </a:ext>
+            </a:extLst>
+          </p:cNvPr>
+          <p:cNvSpPr/>
+          <p:nvPr/>
+        </p:nvSpPr>
+        <p:spPr>
+          <a:xfrm>
+            <a:off x="1654355" y="2388378"/>
+            <a:ext cx="288000" cy="288000"/>
+          </a:xfrm>
+          <a:prstGeom prst="ellipse">
+            <a:avLst/>
+          </a:prstGeom>
+          <a:solidFill>
+            <a:schemeClr val="bg1"/>
+          </a:solidFill>
+          <a:ln>
+            <a:solidFill>
+              <a:schemeClr val="tx1"/>
+            </a:solidFill>
+          </a:ln>
+        </p:spPr>
+        <p:style>
+          <a:lnRef idx="2">
+            <a:schemeClr val="accent1">
+              <a:shade val="15000"/>
+            </a:schemeClr>
+          </a:lnRef>
+          <a:fillRef idx="1">
+            <a:schemeClr val="accent1"/>
+          </a:fillRef>
+          <a:effectRef idx="0">
+            <a:schemeClr val="accent1"/>
+          </a:effectRef>
+          <a:fontRef idx="minor">
+            <a:schemeClr val="lt1"/>
+          </a:fontRef>
+        </p:style>
+        <p:txBody>
+          <a:bodyPr lIns="0" tIns="0" rIns="0" bIns="0" rtlCol="0" anchor="ctr"/>
+          <a:lstStyle/>
+          <a:p>
+            <a:pPr algn="ctr"/>
+            <a:r>
+              <a:rPr lang="fr-FR" sz="1200" b="1" dirty="0">
+                <a:solidFill>
+                  <a:schemeClr val="tx1"/>
+                </a:solidFill>
+                <a:latin typeface="Segoe UI" panose="020B0502040204020203" pitchFamily="34" charset="0"/>
+                <a:cs typeface="Segoe UI" panose="020B0502040204020203" pitchFamily="34" charset="0"/>
+              </a:rPr>
+              <a:t>ou</a:t>
+            </a:r>
+          </a:p>
+        </p:txBody>
+      </p:sp>
+      <p:sp>
+        <p:nvSpPr>
+          <p:cNvPr id="2" name="Cercle : creux 1">
+            <a:extLst>
+              <a:ext uri="{FF2B5EF4-FFF2-40B4-BE49-F238E27FC236}">
+                <a16:creationId xmlns:a16="http://schemas.microsoft.com/office/drawing/2014/main" id="{32F3611C-0BE5-B0CA-6BC7-94F71BFF1EB0}"/>
+              </a:ext>
+            </a:extLst>
+          </p:cNvPr>
+          <p:cNvSpPr/>
+          <p:nvPr/>
+        </p:nvSpPr>
+        <p:spPr>
+          <a:xfrm>
+            <a:off x="805855" y="2070758"/>
+            <a:ext cx="360000" cy="360000"/>
+          </a:xfrm>
+          <a:prstGeom prst="donut">
+            <a:avLst>
+              <a:gd name="adj" fmla="val 15271"/>
+            </a:avLst>
+          </a:prstGeom>
+          <a:blipFill>
+            <a:blip r:embed="rId8"/>
+            <a:tile tx="0" ty="0" sx="100000" sy="100000" flip="none" algn="tl"/>
+          </a:blipFill>
+          <a:ln w="12700"/>
+        </p:spPr>
+        <p:style>
+          <a:lnRef idx="2">
+            <a:schemeClr val="dk1">
+              <a:shade val="15000"/>
+            </a:schemeClr>
+          </a:lnRef>
+          <a:fillRef idx="1">
+            <a:schemeClr val="dk1"/>
+          </a:fillRef>
+          <a:effectRef idx="0">
+            <a:schemeClr val="dk1"/>
+          </a:effectRef>
+          <a:fontRef idx="minor">
+            <a:schemeClr val="lt1"/>
+          </a:fontRef>
+        </p:style>
+        <p:txBody>
+          <a:bodyPr rtlCol="0" anchor="ctr"/>
+          <a:lstStyle/>
+          <a:p>
+            <a:pPr algn="ctr"/>
+            <a:r>
+              <a:rPr lang="fr-FR" b="1" dirty="0">
+                <a:solidFill>
+                  <a:schemeClr val="tx1"/>
+                </a:solidFill>
+                <a:latin typeface="Segoe UI" panose="020B0502040204020203" pitchFamily="34" charset="0"/>
+                <a:cs typeface="Segoe UI" panose="020B0502040204020203" pitchFamily="34" charset="0"/>
+              </a:rPr>
+              <a:t>2</a:t>
+            </a:r>
+          </a:p>
+        </p:txBody>
+      </p:sp>
+      <p:sp>
+        <p:nvSpPr>
+          <p:cNvPr id="6" name="Cercle : creux 5">
+            <a:extLst>
+              <a:ext uri="{FF2B5EF4-FFF2-40B4-BE49-F238E27FC236}">
+                <a16:creationId xmlns:a16="http://schemas.microsoft.com/office/drawing/2014/main" id="{50F4B5C3-C213-1329-BCB8-92DF3A794F9D}"/>
+              </a:ext>
+            </a:extLst>
+          </p:cNvPr>
+          <p:cNvSpPr/>
+          <p:nvPr/>
+        </p:nvSpPr>
+        <p:spPr>
+          <a:xfrm>
+            <a:off x="786364" y="3517870"/>
+            <a:ext cx="360000" cy="360000"/>
+          </a:xfrm>
+          <a:prstGeom prst="donut">
+            <a:avLst>
+              <a:gd name="adj" fmla="val 15271"/>
+            </a:avLst>
+          </a:prstGeom>
+          <a:blipFill>
+            <a:blip r:embed="rId8"/>
+            <a:tile tx="0" ty="0" sx="100000" sy="100000" flip="none" algn="tl"/>
+          </a:blipFill>
+          <a:ln w="12700"/>
+        </p:spPr>
+        <p:style>
+          <a:lnRef idx="2">
+            <a:schemeClr val="dk1">
+              <a:shade val="15000"/>
+            </a:schemeClr>
+          </a:lnRef>
+          <a:fillRef idx="1">
+            <a:schemeClr val="dk1"/>
+          </a:fillRef>
+          <a:effectRef idx="0">
+            <a:schemeClr val="dk1"/>
+          </a:effectRef>
+          <a:fontRef idx="minor">
+            <a:schemeClr val="lt1"/>
+          </a:fontRef>
+        </p:style>
+        <p:txBody>
+          <a:bodyPr rtlCol="0" anchor="ctr"/>
+          <a:lstStyle/>
+          <a:p>
+            <a:pPr algn="ctr"/>
+            <a:r>
+              <a:rPr lang="fr-FR" b="1" dirty="0">
+                <a:solidFill>
+                  <a:schemeClr val="tx1"/>
+                </a:solidFill>
+                <a:latin typeface="Segoe UI" panose="020B0502040204020203" pitchFamily="34" charset="0"/>
+                <a:cs typeface="Segoe UI" panose="020B0502040204020203" pitchFamily="34" charset="0"/>
+              </a:rPr>
+              <a:t>0</a:t>
+            </a:r>
+          </a:p>
+        </p:txBody>
+      </p:sp>
+      <p:sp>
+        <p:nvSpPr>
+          <p:cNvPr id="34" name="ZoneTexte 33">
+            <a:extLst>
+              <a:ext uri="{FF2B5EF4-FFF2-40B4-BE49-F238E27FC236}">
+                <a16:creationId xmlns:a16="http://schemas.microsoft.com/office/drawing/2014/main" id="{846B036F-7ED0-4B9E-C4C1-A2583C7CA617}"/>
+              </a:ext>
+            </a:extLst>
+          </p:cNvPr>
+          <p:cNvSpPr txBox="1"/>
+          <p:nvPr/>
+        </p:nvSpPr>
+        <p:spPr>
+          <a:xfrm>
+            <a:off x="1284463" y="1850810"/>
+            <a:ext cx="616465" cy="369332"/>
+          </a:xfrm>
+          <a:prstGeom prst="rect">
+            <a:avLst/>
+          </a:prstGeom>
+          <a:noFill/>
+        </p:spPr>
+        <p:txBody>
+          <a:bodyPr wrap="square" rtlCol="0">
+            <a:spAutoFit/>
+          </a:bodyPr>
+          <a:lstStyle/>
+          <a:p>
+            <a:r>
+              <a:rPr lang="fr-FR" b="1" dirty="0">
+                <a:latin typeface="Segoe UI" panose="020B0502040204020203" pitchFamily="34" charset="0"/>
+                <a:cs typeface="Segoe UI" panose="020B0502040204020203" pitchFamily="34" charset="0"/>
+              </a:rPr>
+              <a:t>T2 :</a:t>
+            </a:r>
+          </a:p>
+        </p:txBody>
+      </p:sp>
+      <p:sp>
+        <p:nvSpPr>
+          <p:cNvPr id="35" name="Signe Plus 34">
+            <a:extLst>
+              <a:ext uri="{FF2B5EF4-FFF2-40B4-BE49-F238E27FC236}">
+                <a16:creationId xmlns:a16="http://schemas.microsoft.com/office/drawing/2014/main" id="{67095E98-4A5D-7A4F-BBE2-62F57D55B673}"/>
+              </a:ext>
+            </a:extLst>
+          </p:cNvPr>
+          <p:cNvSpPr/>
+          <p:nvPr/>
+        </p:nvSpPr>
+        <p:spPr>
+          <a:xfrm>
+            <a:off x="1907254" y="1939461"/>
+            <a:ext cx="252000" cy="252000"/>
+          </a:xfrm>
+          <a:prstGeom prst="mathPlus">
+            <a:avLst/>
+          </a:prstGeom>
+          <a:solidFill>
+            <a:schemeClr val="tx1"/>
+          </a:solidFill>
+          <a:ln>
+            <a:noFill/>
+          </a:ln>
+        </p:spPr>
+        <p:style>
+          <a:lnRef idx="2">
+            <a:schemeClr val="accent1">
+              <a:shade val="15000"/>
+            </a:schemeClr>
+          </a:lnRef>
+          <a:fillRef idx="1">
+            <a:schemeClr val="accent1"/>
+          </a:fillRef>
+          <a:effectRef idx="0">
+            <a:schemeClr val="accent1"/>
+          </a:effectRef>
+          <a:fontRef idx="minor">
+            <a:schemeClr val="lt1"/>
+          </a:fontRef>
+        </p:style>
+        <p:txBody>
+          <a:bodyPr rtlCol="0" anchor="ctr"/>
+          <a:lstStyle/>
+          <a:p>
+            <a:pPr algn="ctr"/>
+            <a:endParaRPr lang="fr-FR"/>
+          </a:p>
+        </p:txBody>
+      </p:sp>
+      <p:sp>
+        <p:nvSpPr>
+          <p:cNvPr id="39" name="Hexagone 38">
+            <a:extLst>
+              <a:ext uri="{FF2B5EF4-FFF2-40B4-BE49-F238E27FC236}">
+                <a16:creationId xmlns:a16="http://schemas.microsoft.com/office/drawing/2014/main" id="{6092D859-45B2-524E-0305-7A4C5126393E}"/>
+              </a:ext>
+            </a:extLst>
+          </p:cNvPr>
+          <p:cNvSpPr/>
+          <p:nvPr/>
+        </p:nvSpPr>
+        <p:spPr>
+          <a:xfrm rot="5400000">
+            <a:off x="2227917" y="1323814"/>
+            <a:ext cx="396000" cy="360000"/>
+          </a:xfrm>
+          <a:prstGeom prst="hexagon">
+            <a:avLst/>
+          </a:prstGeom>
+          <a:blipFill>
+            <a:blip r:embed="rId5"/>
+            <a:tile tx="0" ty="0" sx="100000" sy="100000" flip="none" algn="tl"/>
+          </a:blipFill>
+          <a:ln w="12700">
+            <a:solidFill>
+              <a:schemeClr val="tx1"/>
+            </a:solidFill>
+          </a:ln>
+        </p:spPr>
+        <p:style>
+          <a:lnRef idx="2">
+            <a:schemeClr val="accent1">
+              <a:shade val="15000"/>
+            </a:schemeClr>
+          </a:lnRef>
+          <a:fillRef idx="1">
+            <a:schemeClr val="accent1"/>
+          </a:fillRef>
+          <a:effectRef idx="0">
+            <a:schemeClr val="accent1"/>
+          </a:effectRef>
+          <a:fontRef idx="minor">
+            <a:schemeClr val="lt1"/>
+          </a:fontRef>
+        </p:style>
+        <p:txBody>
+          <a:bodyPr rtlCol="0" anchor="ctr"/>
+          <a:lstStyle/>
+          <a:p>
+            <a:pPr algn="ctr"/>
+            <a:endParaRPr lang="fr-FR"/>
+          </a:p>
+        </p:txBody>
+      </p:sp>
+      <p:sp>
+        <p:nvSpPr>
+          <p:cNvPr id="40" name="Hexagone 39">
+            <a:extLst>
+              <a:ext uri="{FF2B5EF4-FFF2-40B4-BE49-F238E27FC236}">
+                <a16:creationId xmlns:a16="http://schemas.microsoft.com/office/drawing/2014/main" id="{1378C702-1378-4B26-C01C-31F93EB375E9}"/>
+              </a:ext>
+            </a:extLst>
+          </p:cNvPr>
+          <p:cNvSpPr/>
+          <p:nvPr/>
+        </p:nvSpPr>
+        <p:spPr>
+          <a:xfrm rot="5400000">
+            <a:off x="1818642" y="1323814"/>
+            <a:ext cx="396000" cy="360000"/>
+          </a:xfrm>
+          <a:prstGeom prst="hexagon">
+            <a:avLst/>
+          </a:prstGeom>
+          <a:blipFill>
+            <a:blip r:embed="rId5"/>
+            <a:tile tx="0" ty="0" sx="100000" sy="100000" flip="none" algn="tl"/>
+          </a:blipFill>
+          <a:ln w="12700">
+            <a:solidFill>
+              <a:schemeClr val="tx1"/>
+            </a:solidFill>
+          </a:ln>
+        </p:spPr>
+        <p:style>
+          <a:lnRef idx="2">
+            <a:schemeClr val="accent1">
+              <a:shade val="15000"/>
+            </a:schemeClr>
+          </a:lnRef>
+          <a:fillRef idx="1">
+            <a:schemeClr val="accent1"/>
+          </a:fillRef>
+          <a:effectRef idx="0">
+            <a:schemeClr val="accent1"/>
+          </a:effectRef>
+          <a:fontRef idx="minor">
+            <a:schemeClr val="lt1"/>
+          </a:fontRef>
+        </p:style>
+        <p:txBody>
+          <a:bodyPr rtlCol="0" anchor="ctr"/>
+          <a:lstStyle/>
+          <a:p>
+            <a:pPr algn="ctr"/>
+            <a:endParaRPr lang="fr-FR"/>
+          </a:p>
+        </p:txBody>
+      </p:sp>
+      <p:sp>
+        <p:nvSpPr>
+          <p:cNvPr id="41" name="Hexagone 40">
+            <a:extLst>
+              <a:ext uri="{FF2B5EF4-FFF2-40B4-BE49-F238E27FC236}">
+                <a16:creationId xmlns:a16="http://schemas.microsoft.com/office/drawing/2014/main" id="{9E4AC504-7E1B-A437-B335-4189464A4081}"/>
+              </a:ext>
+            </a:extLst>
+          </p:cNvPr>
+          <p:cNvSpPr/>
+          <p:nvPr/>
+        </p:nvSpPr>
+        <p:spPr>
+          <a:xfrm rot="5400000">
+            <a:off x="1409367" y="1333747"/>
+            <a:ext cx="396000" cy="360000"/>
+          </a:xfrm>
+          <a:prstGeom prst="hexagon">
+            <a:avLst/>
+          </a:prstGeom>
+          <a:blipFill>
+            <a:blip r:embed="rId5"/>
+            <a:tile tx="0" ty="0" sx="100000" sy="100000" flip="none" algn="tl"/>
+          </a:blipFill>
+          <a:ln w="12700">
+            <a:solidFill>
+              <a:schemeClr val="tx1"/>
+            </a:solidFill>
+          </a:ln>
+        </p:spPr>
+        <p:style>
+          <a:lnRef idx="2">
+            <a:schemeClr val="accent1">
+              <a:shade val="15000"/>
+            </a:schemeClr>
+          </a:lnRef>
+          <a:fillRef idx="1">
+            <a:schemeClr val="accent1"/>
+          </a:fillRef>
+          <a:effectRef idx="0">
+            <a:schemeClr val="accent1"/>
+          </a:effectRef>
+          <a:fontRef idx="minor">
+            <a:schemeClr val="lt1"/>
+          </a:fontRef>
+        </p:style>
+        <p:txBody>
+          <a:bodyPr rtlCol="0" anchor="ctr"/>
+          <a:lstStyle/>
+          <a:p>
+            <a:pPr algn="ctr"/>
+            <a:endParaRPr lang="fr-FR"/>
+          </a:p>
+        </p:txBody>
+      </p:sp>
+      <p:sp>
+        <p:nvSpPr>
+          <p:cNvPr id="43" name="Hexagone 42">
+            <a:extLst>
+              <a:ext uri="{FF2B5EF4-FFF2-40B4-BE49-F238E27FC236}">
+                <a16:creationId xmlns:a16="http://schemas.microsoft.com/office/drawing/2014/main" id="{30B58551-4A98-1B4A-3631-5D8257D190EF}"/>
+              </a:ext>
+            </a:extLst>
+          </p:cNvPr>
+          <p:cNvSpPr/>
+          <p:nvPr/>
+        </p:nvSpPr>
+        <p:spPr>
+          <a:xfrm rot="5400000">
+            <a:off x="995864" y="1333747"/>
+            <a:ext cx="396000" cy="360000"/>
+          </a:xfrm>
+          <a:prstGeom prst="hexagon">
+            <a:avLst/>
+          </a:prstGeom>
+          <a:solidFill>
+            <a:schemeClr val="bg1"/>
+          </a:solidFill>
+          <a:ln w="12700">
+            <a:solidFill>
+              <a:schemeClr val="tx1"/>
+            </a:solidFill>
+          </a:ln>
+        </p:spPr>
+        <p:style>
+          <a:lnRef idx="2">
+            <a:schemeClr val="accent1">
+              <a:shade val="15000"/>
+            </a:schemeClr>
+          </a:lnRef>
+          <a:fillRef idx="1">
+            <a:schemeClr val="accent1"/>
+          </a:fillRef>
+          <a:effectRef idx="0">
+            <a:schemeClr val="accent1"/>
+          </a:effectRef>
+          <a:fontRef idx="minor">
+            <a:schemeClr val="lt1"/>
+          </a:fontRef>
+        </p:style>
+        <p:txBody>
+          <a:bodyPr rtlCol="0" anchor="ctr"/>
+          <a:lstStyle/>
+          <a:p>
+            <a:pPr algn="ctr"/>
+            <a:endParaRPr lang="fr-FR"/>
+          </a:p>
+        </p:txBody>
+      </p:sp>
+      <p:sp>
+        <p:nvSpPr>
+          <p:cNvPr id="94" name="Hexagone 93">
+            <a:extLst>
+              <a:ext uri="{FF2B5EF4-FFF2-40B4-BE49-F238E27FC236}">
+                <a16:creationId xmlns:a16="http://schemas.microsoft.com/office/drawing/2014/main" id="{6F9A47A8-B06A-E87A-1C67-7A3C41DB9B5A}"/>
+              </a:ext>
+            </a:extLst>
+          </p:cNvPr>
+          <p:cNvSpPr/>
+          <p:nvPr/>
+        </p:nvSpPr>
+        <p:spPr>
+          <a:xfrm rot="5400000">
+            <a:off x="1867917" y="3072599"/>
+            <a:ext cx="396000" cy="360000"/>
+          </a:xfrm>
+          <a:prstGeom prst="hexagon">
+            <a:avLst/>
+          </a:prstGeom>
+          <a:blipFill>
+            <a:blip r:embed="rId5"/>
+            <a:tile tx="0" ty="0" sx="100000" sy="100000" flip="none" algn="tl"/>
+          </a:blipFill>
+          <a:ln w="12700">
+            <a:solidFill>
+              <a:schemeClr val="tx1"/>
+            </a:solidFill>
+          </a:ln>
+        </p:spPr>
+        <p:style>
+          <a:lnRef idx="2">
+            <a:schemeClr val="accent1">
+              <a:shade val="15000"/>
+            </a:schemeClr>
+          </a:lnRef>
+          <a:fillRef idx="1">
+            <a:schemeClr val="accent1"/>
+          </a:fillRef>
+          <a:effectRef idx="0">
+            <a:schemeClr val="accent1"/>
+          </a:effectRef>
+          <a:fontRef idx="minor">
+            <a:schemeClr val="lt1"/>
+          </a:fontRef>
+        </p:style>
+        <p:txBody>
+          <a:bodyPr rtlCol="0" anchor="ctr"/>
+          <a:lstStyle/>
+          <a:p>
+            <a:pPr algn="ctr"/>
+            <a:endParaRPr lang="fr-FR"/>
+          </a:p>
+        </p:txBody>
+      </p:sp>
+      <p:sp>
+        <p:nvSpPr>
+          <p:cNvPr id="95" name="Hexagone 94">
+            <a:extLst>
+              <a:ext uri="{FF2B5EF4-FFF2-40B4-BE49-F238E27FC236}">
+                <a16:creationId xmlns:a16="http://schemas.microsoft.com/office/drawing/2014/main" id="{7A3D117C-5FBF-AD3B-4700-AE1E38B0BCBE}"/>
+              </a:ext>
+            </a:extLst>
+          </p:cNvPr>
+          <p:cNvSpPr/>
+          <p:nvPr/>
+        </p:nvSpPr>
+        <p:spPr>
+          <a:xfrm rot="5400000">
+            <a:off x="1454414" y="3072599"/>
+            <a:ext cx="396000" cy="360000"/>
+          </a:xfrm>
+          <a:prstGeom prst="hexagon">
+            <a:avLst/>
+          </a:prstGeom>
+          <a:solidFill>
+            <a:schemeClr val="bg1"/>
+          </a:solidFill>
+          <a:ln w="12700">
+            <a:solidFill>
+              <a:schemeClr val="tx1"/>
+            </a:solidFill>
+          </a:ln>
+        </p:spPr>
+        <p:style>
+          <a:lnRef idx="2">
+            <a:schemeClr val="accent1">
+              <a:shade val="15000"/>
+            </a:schemeClr>
+          </a:lnRef>
+          <a:fillRef idx="1">
+            <a:schemeClr val="accent1"/>
+          </a:fillRef>
+          <a:effectRef idx="0">
+            <a:schemeClr val="accent1"/>
+          </a:effectRef>
+          <a:fontRef idx="minor">
+            <a:schemeClr val="lt1"/>
+          </a:fontRef>
+        </p:style>
+        <p:txBody>
+          <a:bodyPr rtlCol="0" anchor="ctr"/>
+          <a:lstStyle/>
+          <a:p>
+            <a:pPr algn="ctr"/>
+            <a:endParaRPr lang="fr-FR"/>
+          </a:p>
+        </p:txBody>
+      </p:sp>
+      <p:sp>
+        <p:nvSpPr>
+          <p:cNvPr id="98" name="Hexagone 97">
+            <a:extLst>
+              <a:ext uri="{FF2B5EF4-FFF2-40B4-BE49-F238E27FC236}">
+                <a16:creationId xmlns:a16="http://schemas.microsoft.com/office/drawing/2014/main" id="{D6AD6DCE-7994-97A0-49CA-66875C39751B}"/>
+              </a:ext>
+            </a:extLst>
+          </p:cNvPr>
+          <p:cNvSpPr/>
+          <p:nvPr/>
+        </p:nvSpPr>
+        <p:spPr>
+          <a:xfrm rot="5400000">
+            <a:off x="2227917" y="1879774"/>
+            <a:ext cx="396000" cy="360000"/>
+          </a:xfrm>
+          <a:prstGeom prst="hexagon">
+            <a:avLst/>
+          </a:prstGeom>
+          <a:blipFill>
+            <a:blip r:embed="rId5"/>
+            <a:tile tx="0" ty="0" sx="100000" sy="100000" flip="none" algn="tl"/>
+          </a:blipFill>
+          <a:ln w="12700">
+            <a:solidFill>
+              <a:schemeClr val="tx1"/>
+            </a:solidFill>
+          </a:ln>
+        </p:spPr>
+        <p:style>
+          <a:lnRef idx="2">
+            <a:schemeClr val="accent1">
+              <a:shade val="15000"/>
+            </a:schemeClr>
+          </a:lnRef>
+          <a:fillRef idx="1">
+            <a:schemeClr val="accent1"/>
+          </a:fillRef>
+          <a:effectRef idx="0">
+            <a:schemeClr val="accent1"/>
+          </a:effectRef>
+          <a:fontRef idx="minor">
+            <a:schemeClr val="lt1"/>
+          </a:fontRef>
+        </p:style>
+        <p:txBody>
+          <a:bodyPr rtlCol="0" anchor="ctr"/>
+          <a:lstStyle/>
+          <a:p>
+            <a:pPr algn="ctr"/>
+            <a:endParaRPr lang="fr-FR"/>
+          </a:p>
+        </p:txBody>
+      </p:sp>
+      <p:sp>
+        <p:nvSpPr>
+          <p:cNvPr id="100" name="Cercle : creux 99">
+            <a:extLst>
+              <a:ext uri="{FF2B5EF4-FFF2-40B4-BE49-F238E27FC236}">
+                <a16:creationId xmlns:a16="http://schemas.microsoft.com/office/drawing/2014/main" id="{A761FD90-092C-70D9-C1A0-D7033D90FDFD}"/>
+              </a:ext>
+            </a:extLst>
+          </p:cNvPr>
+          <p:cNvSpPr/>
+          <p:nvPr/>
+        </p:nvSpPr>
+        <p:spPr>
+          <a:xfrm>
+            <a:off x="3352681" y="3534343"/>
+            <a:ext cx="360000" cy="360000"/>
+          </a:xfrm>
+          <a:prstGeom prst="donut">
+            <a:avLst>
+              <a:gd name="adj" fmla="val 15271"/>
+            </a:avLst>
+          </a:prstGeom>
+          <a:blipFill>
+            <a:blip r:embed="rId8"/>
+            <a:tile tx="0" ty="0" sx="100000" sy="100000" flip="none" algn="tl"/>
+          </a:blipFill>
+          <a:ln w="12700"/>
+        </p:spPr>
+        <p:style>
+          <a:lnRef idx="2">
+            <a:schemeClr val="dk1">
+              <a:shade val="15000"/>
+            </a:schemeClr>
+          </a:lnRef>
+          <a:fillRef idx="1">
+            <a:schemeClr val="dk1"/>
+          </a:fillRef>
+          <a:effectRef idx="0">
+            <a:schemeClr val="dk1"/>
+          </a:effectRef>
+          <a:fontRef idx="minor">
+            <a:schemeClr val="lt1"/>
+          </a:fontRef>
+        </p:style>
+        <p:txBody>
+          <a:bodyPr rtlCol="0" anchor="ctr"/>
+          <a:lstStyle/>
+          <a:p>
+            <a:pPr algn="ctr"/>
+            <a:r>
+              <a:rPr lang="fr-FR" b="1" dirty="0">
+                <a:solidFill>
+                  <a:schemeClr val="tx1"/>
+                </a:solidFill>
+                <a:latin typeface="Segoe UI" panose="020B0502040204020203" pitchFamily="34" charset="0"/>
+                <a:cs typeface="Segoe UI" panose="020B0502040204020203" pitchFamily="34" charset="0"/>
+              </a:rPr>
+              <a:t>1</a:t>
+            </a:r>
+          </a:p>
+        </p:txBody>
+      </p:sp>
+      <p:sp>
+        <p:nvSpPr>
+          <p:cNvPr id="101" name="Cercle : creux 100">
+            <a:extLst>
+              <a:ext uri="{FF2B5EF4-FFF2-40B4-BE49-F238E27FC236}">
+                <a16:creationId xmlns:a16="http://schemas.microsoft.com/office/drawing/2014/main" id="{F93792CA-C3FF-5FF4-E514-DCD436562675}"/>
+              </a:ext>
+            </a:extLst>
+          </p:cNvPr>
+          <p:cNvSpPr/>
+          <p:nvPr/>
+        </p:nvSpPr>
+        <p:spPr>
+          <a:xfrm>
+            <a:off x="3352681" y="2081991"/>
+            <a:ext cx="360000" cy="360000"/>
+          </a:xfrm>
+          <a:prstGeom prst="donut">
+            <a:avLst>
+              <a:gd name="adj" fmla="val 15271"/>
+            </a:avLst>
+          </a:prstGeom>
+          <a:blipFill>
+            <a:blip r:embed="rId8"/>
+            <a:tile tx="0" ty="0" sx="100000" sy="100000" flip="none" algn="tl"/>
+          </a:blipFill>
+          <a:ln w="12700"/>
+        </p:spPr>
+        <p:style>
+          <a:lnRef idx="2">
+            <a:schemeClr val="dk1">
+              <a:shade val="15000"/>
+            </a:schemeClr>
+          </a:lnRef>
+          <a:fillRef idx="1">
+            <a:schemeClr val="dk1"/>
+          </a:fillRef>
+          <a:effectRef idx="0">
+            <a:schemeClr val="dk1"/>
+          </a:effectRef>
+          <a:fontRef idx="minor">
+            <a:schemeClr val="lt1"/>
+          </a:fontRef>
+        </p:style>
+        <p:txBody>
+          <a:bodyPr rtlCol="0" anchor="ctr"/>
+          <a:lstStyle/>
+          <a:p>
+            <a:pPr algn="ctr"/>
+            <a:r>
+              <a:rPr lang="fr-FR" b="1" dirty="0">
+                <a:solidFill>
+                  <a:schemeClr val="tx1"/>
+                </a:solidFill>
+                <a:latin typeface="Segoe UI" panose="020B0502040204020203" pitchFamily="34" charset="0"/>
+                <a:cs typeface="Segoe UI" panose="020B0502040204020203" pitchFamily="34" charset="0"/>
+              </a:rPr>
+              <a:t>3</a:t>
+            </a:r>
+          </a:p>
+        </p:txBody>
+      </p:sp>
+      <p:sp>
+        <p:nvSpPr>
+          <p:cNvPr id="102" name="ZoneTexte 101">
+            <a:extLst>
+              <a:ext uri="{FF2B5EF4-FFF2-40B4-BE49-F238E27FC236}">
+                <a16:creationId xmlns:a16="http://schemas.microsoft.com/office/drawing/2014/main" id="{2A1C59AF-E803-9426-CA81-E3310FEBC1C5}"/>
+              </a:ext>
+            </a:extLst>
+          </p:cNvPr>
+          <p:cNvSpPr txBox="1"/>
+          <p:nvPr/>
+        </p:nvSpPr>
+        <p:spPr>
+          <a:xfrm>
+            <a:off x="4074836" y="1904888"/>
+            <a:ext cx="645894" cy="369332"/>
+          </a:xfrm>
+          <a:prstGeom prst="rect">
+            <a:avLst/>
+          </a:prstGeom>
+          <a:noFill/>
+        </p:spPr>
+        <p:txBody>
+          <a:bodyPr wrap="square" rtlCol="0">
+            <a:spAutoFit/>
+          </a:bodyPr>
+          <a:lstStyle/>
+          <a:p>
+            <a:r>
+              <a:rPr lang="fr-FR" b="1" dirty="0">
+                <a:latin typeface="Segoe UI" panose="020B0502040204020203" pitchFamily="34" charset="0"/>
+                <a:cs typeface="Segoe UI" panose="020B0502040204020203" pitchFamily="34" charset="0"/>
+              </a:rPr>
+              <a:t>T1 :</a:t>
+            </a:r>
+          </a:p>
+        </p:txBody>
+      </p:sp>
+      <p:sp>
+        <p:nvSpPr>
+          <p:cNvPr id="103" name="Signe Plus 102">
+            <a:extLst>
+              <a:ext uri="{FF2B5EF4-FFF2-40B4-BE49-F238E27FC236}">
+                <a16:creationId xmlns:a16="http://schemas.microsoft.com/office/drawing/2014/main" id="{421E24C8-2097-D928-0D54-1588E2594638}"/>
+              </a:ext>
+            </a:extLst>
+          </p:cNvPr>
+          <p:cNvSpPr/>
+          <p:nvPr/>
+        </p:nvSpPr>
+        <p:spPr>
+          <a:xfrm>
+            <a:off x="4594730" y="1982446"/>
+            <a:ext cx="252000" cy="252000"/>
+          </a:xfrm>
+          <a:prstGeom prst="mathPlus">
+            <a:avLst/>
+          </a:prstGeom>
+          <a:solidFill>
+            <a:schemeClr val="tx1"/>
+          </a:solidFill>
+          <a:ln>
+            <a:noFill/>
+          </a:ln>
+        </p:spPr>
+        <p:style>
+          <a:lnRef idx="2">
+            <a:schemeClr val="accent1">
+              <a:shade val="15000"/>
+            </a:schemeClr>
+          </a:lnRef>
+          <a:fillRef idx="1">
+            <a:schemeClr val="accent1"/>
+          </a:fillRef>
+          <a:effectRef idx="0">
+            <a:schemeClr val="accent1"/>
+          </a:effectRef>
+          <a:fontRef idx="minor">
+            <a:schemeClr val="lt1"/>
+          </a:fontRef>
+        </p:style>
+        <p:txBody>
+          <a:bodyPr rtlCol="0" anchor="ctr"/>
+          <a:lstStyle/>
+          <a:p>
+            <a:pPr algn="ctr"/>
+            <a:endParaRPr lang="fr-FR"/>
+          </a:p>
+        </p:txBody>
+      </p:sp>
+      <p:sp>
+        <p:nvSpPr>
+          <p:cNvPr id="105" name="Hexagone 104">
+            <a:extLst>
+              <a:ext uri="{FF2B5EF4-FFF2-40B4-BE49-F238E27FC236}">
+                <a16:creationId xmlns:a16="http://schemas.microsoft.com/office/drawing/2014/main" id="{B86436C6-5016-FA60-74AA-1C40AAC592E3}"/>
+              </a:ext>
+            </a:extLst>
+          </p:cNvPr>
+          <p:cNvSpPr/>
+          <p:nvPr/>
+        </p:nvSpPr>
+        <p:spPr>
+          <a:xfrm rot="5400000">
+            <a:off x="4843518" y="1306051"/>
+            <a:ext cx="396000" cy="360000"/>
+          </a:xfrm>
+          <a:prstGeom prst="hexagon">
+            <a:avLst/>
+          </a:prstGeom>
+          <a:solidFill>
+            <a:schemeClr val="bg1"/>
+          </a:solidFill>
+          <a:ln w="12700">
+            <a:solidFill>
+              <a:schemeClr val="tx1"/>
+            </a:solidFill>
+          </a:ln>
+        </p:spPr>
+        <p:style>
+          <a:lnRef idx="2">
+            <a:schemeClr val="accent1">
+              <a:shade val="15000"/>
+            </a:schemeClr>
+          </a:lnRef>
+          <a:fillRef idx="1">
+            <a:schemeClr val="accent1"/>
+          </a:fillRef>
+          <a:effectRef idx="0">
+            <a:schemeClr val="accent1"/>
+          </a:effectRef>
+          <a:fontRef idx="minor">
+            <a:schemeClr val="lt1"/>
+          </a:fontRef>
+        </p:style>
+        <p:txBody>
+          <a:bodyPr rtlCol="0" anchor="ctr"/>
+          <a:lstStyle/>
+          <a:p>
+            <a:pPr algn="ctr"/>
+            <a:endParaRPr lang="fr-FR"/>
+          </a:p>
+        </p:txBody>
+      </p:sp>
+      <p:sp>
+        <p:nvSpPr>
+          <p:cNvPr id="106" name="Ellipse 105">
+            <a:extLst>
+              <a:ext uri="{FF2B5EF4-FFF2-40B4-BE49-F238E27FC236}">
+                <a16:creationId xmlns:a16="http://schemas.microsoft.com/office/drawing/2014/main" id="{5AAD0CB0-F2CB-D4F7-A580-8B346897E45D}"/>
+              </a:ext>
+            </a:extLst>
+          </p:cNvPr>
+          <p:cNvSpPr/>
+          <p:nvPr/>
+        </p:nvSpPr>
+        <p:spPr>
+          <a:xfrm>
+            <a:off x="3424681" y="1306051"/>
+            <a:ext cx="360000" cy="360000"/>
+          </a:xfrm>
+          <a:prstGeom prst="ellipse">
+            <a:avLst/>
+          </a:prstGeom>
+          <a:blipFill>
+            <a:blip r:embed="rId2"/>
+            <a:tile tx="0" ty="0" sx="100000" sy="100000" flip="none" algn="tl"/>
+          </a:blipFill>
+          <a:ln w="12700">
+            <a:solidFill>
+              <a:schemeClr val="tx1"/>
+            </a:solidFill>
+          </a:ln>
+        </p:spPr>
+        <p:style>
+          <a:lnRef idx="2">
+            <a:schemeClr val="accent1">
+              <a:shade val="15000"/>
+            </a:schemeClr>
+          </a:lnRef>
+          <a:fillRef idx="1">
+            <a:schemeClr val="accent1"/>
+          </a:fillRef>
+          <a:effectRef idx="0">
+            <a:schemeClr val="accent1"/>
+          </a:effectRef>
+          <a:fontRef idx="minor">
+            <a:schemeClr val="lt1"/>
+          </a:fontRef>
+        </p:style>
+        <p:txBody>
+          <a:bodyPr rtlCol="0" anchor="ctr"/>
+          <a:lstStyle/>
+          <a:p>
+            <a:pPr algn="ctr"/>
+            <a:endParaRPr lang="fr-FR"/>
+          </a:p>
+        </p:txBody>
+      </p:sp>
+      <p:sp>
+        <p:nvSpPr>
+          <p:cNvPr id="107" name="Ellipse 106">
+            <a:extLst>
+              <a:ext uri="{FF2B5EF4-FFF2-40B4-BE49-F238E27FC236}">
+                <a16:creationId xmlns:a16="http://schemas.microsoft.com/office/drawing/2014/main" id="{F8C50C6C-4EFB-D2D7-E1B5-C88AAB666915}"/>
+              </a:ext>
+            </a:extLst>
+          </p:cNvPr>
+          <p:cNvSpPr/>
+          <p:nvPr/>
+        </p:nvSpPr>
+        <p:spPr>
+          <a:xfrm>
+            <a:off x="3791007" y="1306051"/>
+            <a:ext cx="360000" cy="360000"/>
+          </a:xfrm>
+          <a:prstGeom prst="ellipse">
+            <a:avLst/>
+          </a:prstGeom>
+          <a:blipFill>
+            <a:blip r:embed="rId2"/>
+            <a:tile tx="0" ty="0" sx="100000" sy="100000" flip="none" algn="tl"/>
+          </a:blipFill>
+          <a:ln w="12700">
+            <a:solidFill>
+              <a:schemeClr val="tx1"/>
+            </a:solidFill>
+          </a:ln>
+        </p:spPr>
+        <p:style>
+          <a:lnRef idx="2">
+            <a:schemeClr val="accent1">
+              <a:shade val="15000"/>
+            </a:schemeClr>
+          </a:lnRef>
+          <a:fillRef idx="1">
+            <a:schemeClr val="accent1"/>
+          </a:fillRef>
+          <a:effectRef idx="0">
+            <a:schemeClr val="accent1"/>
+          </a:effectRef>
+          <a:fontRef idx="minor">
+            <a:schemeClr val="lt1"/>
+          </a:fontRef>
+        </p:style>
+        <p:txBody>
+          <a:bodyPr rtlCol="0" anchor="ctr"/>
+          <a:lstStyle/>
+          <a:p>
+            <a:pPr algn="ctr"/>
+            <a:endParaRPr lang="fr-FR"/>
+          </a:p>
+        </p:txBody>
+      </p:sp>
+      <p:sp>
+        <p:nvSpPr>
+          <p:cNvPr id="108" name="Ellipse 107">
+            <a:extLst>
+              <a:ext uri="{FF2B5EF4-FFF2-40B4-BE49-F238E27FC236}">
+                <a16:creationId xmlns:a16="http://schemas.microsoft.com/office/drawing/2014/main" id="{C7E1F008-BDCB-ED75-F014-C475A2B1A6DB}"/>
+              </a:ext>
+            </a:extLst>
+          </p:cNvPr>
+          <p:cNvSpPr/>
+          <p:nvPr/>
+        </p:nvSpPr>
+        <p:spPr>
+          <a:xfrm>
+            <a:off x="4153827" y="1306051"/>
+            <a:ext cx="360000" cy="360000"/>
+          </a:xfrm>
+          <a:prstGeom prst="ellipse">
+            <a:avLst/>
+          </a:prstGeom>
+          <a:blipFill>
+            <a:blip r:embed="rId2"/>
+            <a:tile tx="0" ty="0" sx="100000" sy="100000" flip="none" algn="tl"/>
+          </a:blipFill>
+          <a:ln w="12700">
+            <a:solidFill>
+              <a:schemeClr val="tx1"/>
+            </a:solidFill>
+          </a:ln>
+        </p:spPr>
+        <p:style>
+          <a:lnRef idx="2">
+            <a:schemeClr val="accent1">
+              <a:shade val="15000"/>
+            </a:schemeClr>
+          </a:lnRef>
+          <a:fillRef idx="1">
+            <a:schemeClr val="accent1"/>
+          </a:fillRef>
+          <a:effectRef idx="0">
+            <a:schemeClr val="accent1"/>
+          </a:effectRef>
+          <a:fontRef idx="minor">
+            <a:schemeClr val="lt1"/>
+          </a:fontRef>
+        </p:style>
+        <p:txBody>
+          <a:bodyPr rtlCol="0" anchor="ctr"/>
+          <a:lstStyle/>
+          <a:p>
+            <a:pPr algn="ctr"/>
+            <a:endParaRPr lang="fr-FR"/>
+          </a:p>
+        </p:txBody>
+      </p:sp>
+      <p:sp>
+        <p:nvSpPr>
+          <p:cNvPr id="109" name="Ellipse 108">
+            <a:extLst>
+              <a:ext uri="{FF2B5EF4-FFF2-40B4-BE49-F238E27FC236}">
+                <a16:creationId xmlns:a16="http://schemas.microsoft.com/office/drawing/2014/main" id="{63C1BC1F-076D-CB7F-27EC-FF28A439595B}"/>
+              </a:ext>
+            </a:extLst>
+          </p:cNvPr>
+          <p:cNvSpPr/>
+          <p:nvPr/>
+        </p:nvSpPr>
+        <p:spPr>
+          <a:xfrm>
+            <a:off x="4867844" y="1928446"/>
+            <a:ext cx="360000" cy="360000"/>
+          </a:xfrm>
+          <a:prstGeom prst="ellipse">
+            <a:avLst/>
+          </a:prstGeom>
+          <a:blipFill>
+            <a:blip r:embed="rId2"/>
+            <a:tile tx="0" ty="0" sx="100000" sy="100000" flip="none" algn="tl"/>
+          </a:blipFill>
+          <a:ln w="12700">
+            <a:solidFill>
+              <a:schemeClr val="tx1"/>
+            </a:solidFill>
+          </a:ln>
+        </p:spPr>
+        <p:style>
+          <a:lnRef idx="2">
+            <a:schemeClr val="accent1">
+              <a:shade val="15000"/>
+            </a:schemeClr>
+          </a:lnRef>
+          <a:fillRef idx="1">
+            <a:schemeClr val="accent1"/>
+          </a:fillRef>
+          <a:effectRef idx="0">
+            <a:schemeClr val="accent1"/>
+          </a:effectRef>
+          <a:fontRef idx="minor">
+            <a:schemeClr val="lt1"/>
+          </a:fontRef>
+        </p:style>
+        <p:txBody>
+          <a:bodyPr rtlCol="0" anchor="ctr"/>
+          <a:lstStyle/>
+          <a:p>
+            <a:pPr algn="ctr"/>
+            <a:endParaRPr lang="fr-FR"/>
+          </a:p>
+        </p:txBody>
+      </p:sp>
+      <p:cxnSp>
+        <p:nvCxnSpPr>
+          <p:cNvPr id="111" name="Connecteur droit avec flèche 110">
+            <a:extLst>
+              <a:ext uri="{FF2B5EF4-FFF2-40B4-BE49-F238E27FC236}">
+                <a16:creationId xmlns:a16="http://schemas.microsoft.com/office/drawing/2014/main" id="{D3627656-6536-2289-281D-7BE59492843C}"/>
+              </a:ext>
+            </a:extLst>
+          </p:cNvPr>
+          <p:cNvCxnSpPr>
+            <a:cxnSpLocks/>
+          </p:cNvCxnSpPr>
+          <p:nvPr/>
+        </p:nvCxnSpPr>
+        <p:spPr>
+          <a:xfrm>
+            <a:off x="4556088" y="1486051"/>
+            <a:ext cx="568633" cy="0"/>
+          </a:xfrm>
+          <a:prstGeom prst="straightConnector1">
+            <a:avLst/>
+          </a:prstGeom>
+          <a:ln w="57150">
+            <a:tailEnd type="triangle"/>
+          </a:ln>
+        </p:spPr>
+        <p:style>
+          <a:lnRef idx="2">
+            <a:schemeClr val="dk1"/>
+          </a:lnRef>
+          <a:fillRef idx="0">
+            <a:schemeClr val="dk1"/>
+          </a:fillRef>
+          <a:effectRef idx="1">
+            <a:schemeClr val="dk1"/>
+          </a:effectRef>
+          <a:fontRef idx="minor">
+            <a:schemeClr val="tx1"/>
+          </a:fontRef>
+        </p:style>
+      </p:cxnSp>
+      <p:sp>
+        <p:nvSpPr>
+          <p:cNvPr id="118" name="Hexagone 117">
+            <a:extLst>
+              <a:ext uri="{FF2B5EF4-FFF2-40B4-BE49-F238E27FC236}">
+                <a16:creationId xmlns:a16="http://schemas.microsoft.com/office/drawing/2014/main" id="{4EF936E8-D9BD-8706-2637-7A8FDF0D24F7}"/>
+              </a:ext>
+            </a:extLst>
+          </p:cNvPr>
+          <p:cNvSpPr/>
+          <p:nvPr/>
+        </p:nvSpPr>
+        <p:spPr>
+          <a:xfrm rot="5400000">
+            <a:off x="4843518" y="3090814"/>
+            <a:ext cx="396000" cy="360000"/>
+          </a:xfrm>
+          <a:prstGeom prst="hexagon">
+            <a:avLst/>
+          </a:prstGeom>
+          <a:solidFill>
+            <a:schemeClr val="bg1"/>
+          </a:solidFill>
+          <a:ln w="12700">
+            <a:solidFill>
+              <a:schemeClr val="tx1"/>
+            </a:solidFill>
+          </a:ln>
+        </p:spPr>
+        <p:style>
+          <a:lnRef idx="2">
+            <a:schemeClr val="accent1">
+              <a:shade val="15000"/>
+            </a:schemeClr>
+          </a:lnRef>
+          <a:fillRef idx="1">
+            <a:schemeClr val="accent1"/>
+          </a:fillRef>
+          <a:effectRef idx="0">
+            <a:schemeClr val="accent1"/>
+          </a:effectRef>
+          <a:fontRef idx="minor">
+            <a:schemeClr val="lt1"/>
+          </a:fontRef>
+        </p:style>
+        <p:txBody>
+          <a:bodyPr rtlCol="0" anchor="ctr"/>
+          <a:lstStyle/>
+          <a:p>
+            <a:pPr algn="ctr"/>
+            <a:endParaRPr lang="fr-FR"/>
+          </a:p>
+        </p:txBody>
+      </p:sp>
+      <p:sp>
+        <p:nvSpPr>
+          <p:cNvPr id="121" name="Ellipse 120">
+            <a:extLst>
+              <a:ext uri="{FF2B5EF4-FFF2-40B4-BE49-F238E27FC236}">
+                <a16:creationId xmlns:a16="http://schemas.microsoft.com/office/drawing/2014/main" id="{290B5C94-C840-417B-1941-231565DA9D24}"/>
+              </a:ext>
+            </a:extLst>
+          </p:cNvPr>
+          <p:cNvSpPr/>
+          <p:nvPr/>
+        </p:nvSpPr>
+        <p:spPr>
+          <a:xfrm>
+            <a:off x="4153827" y="3090814"/>
+            <a:ext cx="360000" cy="360000"/>
+          </a:xfrm>
+          <a:prstGeom prst="ellipse">
+            <a:avLst/>
+          </a:prstGeom>
+          <a:blipFill>
+            <a:blip r:embed="rId2"/>
+            <a:tile tx="0" ty="0" sx="100000" sy="100000" flip="none" algn="tl"/>
+          </a:blipFill>
+          <a:ln w="12700">
+            <a:solidFill>
+              <a:schemeClr val="tx1"/>
+            </a:solidFill>
+          </a:ln>
+        </p:spPr>
+        <p:style>
+          <a:lnRef idx="2">
+            <a:schemeClr val="accent1">
+              <a:shade val="15000"/>
+            </a:schemeClr>
+          </a:lnRef>
+          <a:fillRef idx="1">
+            <a:schemeClr val="accent1"/>
+          </a:fillRef>
+          <a:effectRef idx="0">
+            <a:schemeClr val="accent1"/>
+          </a:effectRef>
+          <a:fontRef idx="minor">
+            <a:schemeClr val="lt1"/>
+          </a:fontRef>
+        </p:style>
+        <p:txBody>
+          <a:bodyPr rtlCol="0" anchor="ctr"/>
+          <a:lstStyle/>
+          <a:p>
+            <a:pPr algn="ctr"/>
+            <a:endParaRPr lang="fr-FR"/>
+          </a:p>
+        </p:txBody>
+      </p:sp>
+      <p:cxnSp>
+        <p:nvCxnSpPr>
+          <p:cNvPr id="122" name="Connecteur droit avec flèche 121">
+            <a:extLst>
+              <a:ext uri="{FF2B5EF4-FFF2-40B4-BE49-F238E27FC236}">
+                <a16:creationId xmlns:a16="http://schemas.microsoft.com/office/drawing/2014/main" id="{7400130B-8B23-A2BE-877D-C3A92B8A01B4}"/>
+              </a:ext>
+            </a:extLst>
+          </p:cNvPr>
+          <p:cNvCxnSpPr>
+            <a:cxnSpLocks/>
+          </p:cNvCxnSpPr>
+          <p:nvPr/>
+        </p:nvCxnSpPr>
+        <p:spPr>
+          <a:xfrm>
+            <a:off x="4556088" y="3270814"/>
+            <a:ext cx="568633" cy="0"/>
+          </a:xfrm>
+          <a:prstGeom prst="straightConnector1">
+            <a:avLst/>
+          </a:prstGeom>
+          <a:ln w="57150">
+            <a:tailEnd type="triangle"/>
+          </a:ln>
+        </p:spPr>
+        <p:style>
+          <a:lnRef idx="2">
+            <a:schemeClr val="dk1"/>
+          </a:lnRef>
+          <a:fillRef idx="0">
+            <a:schemeClr val="dk1"/>
+          </a:fillRef>
+          <a:effectRef idx="1">
+            <a:schemeClr val="dk1"/>
+          </a:effectRef>
+          <a:fontRef idx="minor">
+            <a:schemeClr val="tx1"/>
+          </a:fontRef>
+        </p:style>
+      </p:cxnSp>
+      <p:cxnSp>
+        <p:nvCxnSpPr>
+          <p:cNvPr id="123" name="Connecteur droit avec flèche 122">
+            <a:extLst>
+              <a:ext uri="{FF2B5EF4-FFF2-40B4-BE49-F238E27FC236}">
+                <a16:creationId xmlns:a16="http://schemas.microsoft.com/office/drawing/2014/main" id="{F40CDB5E-212B-0CB3-D512-D05FA9764758}"/>
+              </a:ext>
+            </a:extLst>
+          </p:cNvPr>
+          <p:cNvCxnSpPr>
+            <a:cxnSpLocks/>
+          </p:cNvCxnSpPr>
+          <p:nvPr/>
+        </p:nvCxnSpPr>
+        <p:spPr>
+          <a:xfrm>
+            <a:off x="1654355" y="3259849"/>
+            <a:ext cx="504899" cy="0"/>
+          </a:xfrm>
+          <a:prstGeom prst="straightConnector1">
+            <a:avLst/>
+          </a:prstGeom>
+          <a:ln w="57150">
+            <a:tailEnd type="triangle"/>
+          </a:ln>
+        </p:spPr>
+        <p:style>
+          <a:lnRef idx="2">
+            <a:schemeClr val="dk1"/>
+          </a:lnRef>
+          <a:fillRef idx="0">
+            <a:schemeClr val="dk1"/>
+          </a:fillRef>
+          <a:effectRef idx="1">
+            <a:schemeClr val="dk1"/>
+          </a:effectRef>
+          <a:fontRef idx="minor">
+            <a:schemeClr val="tx1"/>
+          </a:fontRef>
+        </p:style>
+      </p:cxnSp>
+      <p:cxnSp>
+        <p:nvCxnSpPr>
+          <p:cNvPr id="125" name="Connecteur droit avec flèche 124">
+            <a:extLst>
+              <a:ext uri="{FF2B5EF4-FFF2-40B4-BE49-F238E27FC236}">
+                <a16:creationId xmlns:a16="http://schemas.microsoft.com/office/drawing/2014/main" id="{D463D5AE-D2E6-2B6C-9395-0A73D93D7C42}"/>
+              </a:ext>
+            </a:extLst>
+          </p:cNvPr>
+          <p:cNvCxnSpPr>
+            <a:cxnSpLocks/>
+          </p:cNvCxnSpPr>
+          <p:nvPr/>
+        </p:nvCxnSpPr>
+        <p:spPr>
+          <a:xfrm>
+            <a:off x="1213764" y="1507788"/>
+            <a:ext cx="1269309" cy="0"/>
+          </a:xfrm>
+          <a:prstGeom prst="straightConnector1">
+            <a:avLst/>
+          </a:prstGeom>
+          <a:ln w="57150">
+            <a:tailEnd type="triangle"/>
+          </a:ln>
+        </p:spPr>
+        <p:style>
+          <a:lnRef idx="2">
+            <a:schemeClr val="dk1"/>
+          </a:lnRef>
+          <a:fillRef idx="0">
+            <a:schemeClr val="dk1"/>
+          </a:fillRef>
+          <a:effectRef idx="1">
+            <a:schemeClr val="dk1"/>
+          </a:effectRef>
+          <a:fontRef idx="minor">
+            <a:schemeClr val="tx1"/>
+          </a:fontRef>
+        </p:style>
+      </p:cxnSp>
+      <p:sp>
+        <p:nvSpPr>
+          <p:cNvPr id="128" name="Rectangle 127">
+            <a:extLst>
+              <a:ext uri="{FF2B5EF4-FFF2-40B4-BE49-F238E27FC236}">
+                <a16:creationId xmlns:a16="http://schemas.microsoft.com/office/drawing/2014/main" id="{CA9667E1-CD75-9B7B-FEA0-EBCB54898CF6}"/>
+              </a:ext>
+            </a:extLst>
+          </p:cNvPr>
+          <p:cNvSpPr/>
+          <p:nvPr/>
+        </p:nvSpPr>
+        <p:spPr>
+          <a:xfrm>
+            <a:off x="5861635" y="652846"/>
+            <a:ext cx="2124000" cy="3312000"/>
+          </a:xfrm>
+          <a:prstGeom prst="rect">
+            <a:avLst/>
+          </a:prstGeom>
+          <a:blipFill dpi="0" rotWithShape="1">
+            <a:blip r:embed="rId9">
+              <a:alphaModFix amt="75000"/>
+            </a:blip>
+            <a:srcRect/>
+            <a:tile tx="0" ty="0" sx="100000" sy="100000" flip="none" algn="tl"/>
+          </a:blipFill>
+        </p:spPr>
+        <p:style>
+          <a:lnRef idx="2">
+            <a:schemeClr val="accent1">
+              <a:shade val="15000"/>
+            </a:schemeClr>
+          </a:lnRef>
+          <a:fillRef idx="1">
+            <a:schemeClr val="accent1"/>
+          </a:fillRef>
+          <a:effectRef idx="0">
+            <a:schemeClr val="accent1"/>
+          </a:effectRef>
+          <a:fontRef idx="minor">
+            <a:schemeClr val="lt1"/>
+          </a:fontRef>
+        </p:style>
+        <p:txBody>
+          <a:bodyPr rtlCol="0" anchor="ctr"/>
+          <a:lstStyle/>
+          <a:p>
+            <a:pPr algn="ctr"/>
+            <a:endParaRPr lang="fr-FR"/>
+          </a:p>
+        </p:txBody>
+      </p:sp>
+      <p:sp>
+        <p:nvSpPr>
+          <p:cNvPr id="129" name="Rectangle 128">
+            <a:extLst>
+              <a:ext uri="{FF2B5EF4-FFF2-40B4-BE49-F238E27FC236}">
+                <a16:creationId xmlns:a16="http://schemas.microsoft.com/office/drawing/2014/main" id="{A7C7D3E7-877A-2BB7-1E75-7FAA01E4DA10}"/>
+              </a:ext>
+            </a:extLst>
+          </p:cNvPr>
+          <p:cNvSpPr/>
+          <p:nvPr/>
+        </p:nvSpPr>
+        <p:spPr>
+          <a:xfrm>
+            <a:off x="5861635" y="660030"/>
+            <a:ext cx="2124000" cy="432000"/>
+          </a:xfrm>
+          <a:prstGeom prst="rect">
+            <a:avLst/>
+          </a:prstGeom>
+          <a:blipFill>
+            <a:blip r:embed="rId10">
+              <a:extLst>
+                <a:ext uri="{BEBA8EAE-BF5A-486C-A8C5-ECC9F3942E4B}">
+                  <a14:imgProps xmlns:a14="http://schemas.microsoft.com/office/drawing/2010/main">
+                    <a14:imgLayer r:embed="rId11">
+                      <a14:imgEffect>
+                        <a14:artisticWatercolorSponge/>
+                      </a14:imgEffect>
+                    </a14:imgLayer>
+                  </a14:imgProps>
+                </a:ext>
+              </a:extLst>
+            </a:blip>
+            <a:tile tx="0" ty="0" sx="100000" sy="100000" flip="none" algn="tl"/>
+          </a:blipFill>
+        </p:spPr>
+        <p:style>
+          <a:lnRef idx="2">
+            <a:schemeClr val="accent1">
+              <a:shade val="15000"/>
+            </a:schemeClr>
+          </a:lnRef>
+          <a:fillRef idx="1">
+            <a:schemeClr val="accent1"/>
+          </a:fillRef>
+          <a:effectRef idx="0">
+            <a:schemeClr val="accent1"/>
+          </a:effectRef>
+          <a:fontRef idx="minor">
+            <a:schemeClr val="lt1"/>
+          </a:fontRef>
+        </p:style>
+        <p:txBody>
+          <a:bodyPr rtlCol="0" anchor="ctr"/>
+          <a:lstStyle/>
+          <a:p>
+            <a:pPr algn="ctr"/>
+            <a:r>
+              <a:rPr lang="fr-FR" b="1" dirty="0">
+                <a:solidFill>
+                  <a:schemeClr val="tx1"/>
+                </a:solidFill>
+                <a:latin typeface="Segoe UI" panose="020B0502040204020203" pitchFamily="34" charset="0"/>
+                <a:cs typeface="Segoe UI" panose="020B0502040204020203" pitchFamily="34" charset="0"/>
+              </a:rPr>
+              <a:t>Déplacer Officier</a:t>
+            </a:r>
+          </a:p>
+        </p:txBody>
+      </p:sp>
+      <p:sp>
+        <p:nvSpPr>
+          <p:cNvPr id="130" name="Rectangle 129">
+            <a:extLst>
+              <a:ext uri="{FF2B5EF4-FFF2-40B4-BE49-F238E27FC236}">
+                <a16:creationId xmlns:a16="http://schemas.microsoft.com/office/drawing/2014/main" id="{F8C4CC71-E87B-AA35-9C95-0778C8D39076}"/>
+              </a:ext>
+            </a:extLst>
+          </p:cNvPr>
+          <p:cNvSpPr/>
+          <p:nvPr/>
+        </p:nvSpPr>
+        <p:spPr>
+          <a:xfrm>
+            <a:off x="5861635" y="2533074"/>
+            <a:ext cx="2124000" cy="1440000"/>
+          </a:xfrm>
+          <a:prstGeom prst="rect">
+            <a:avLst/>
+          </a:prstGeom>
+          <a:noFill/>
+        </p:spPr>
+        <p:style>
+          <a:lnRef idx="2">
+            <a:schemeClr val="accent1">
+              <a:shade val="15000"/>
+            </a:schemeClr>
+          </a:lnRef>
+          <a:fillRef idx="1">
+            <a:schemeClr val="accent1"/>
+          </a:fillRef>
+          <a:effectRef idx="0">
+            <a:schemeClr val="accent1"/>
+          </a:effectRef>
+          <a:fontRef idx="minor">
+            <a:schemeClr val="lt1"/>
+          </a:fontRef>
+        </p:style>
+        <p:txBody>
+          <a:bodyPr rtlCol="0" anchor="ctr"/>
+          <a:lstStyle/>
+          <a:p>
+            <a:pPr algn="ctr"/>
+            <a:endParaRPr lang="fr-FR" sz="1200" dirty="0">
+              <a:solidFill>
+                <a:schemeClr val="tx1"/>
+              </a:solidFill>
+            </a:endParaRPr>
+          </a:p>
+        </p:txBody>
+      </p:sp>
+      <p:sp>
+        <p:nvSpPr>
+          <p:cNvPr id="131" name="Rectangle 130">
+            <a:extLst>
+              <a:ext uri="{FF2B5EF4-FFF2-40B4-BE49-F238E27FC236}">
+                <a16:creationId xmlns:a16="http://schemas.microsoft.com/office/drawing/2014/main" id="{13E1BFE9-7259-4360-526F-C34342105A5E}"/>
+              </a:ext>
+            </a:extLst>
+          </p:cNvPr>
+          <p:cNvSpPr/>
+          <p:nvPr/>
+        </p:nvSpPr>
+        <p:spPr>
+          <a:xfrm>
+            <a:off x="8384821" y="649541"/>
+            <a:ext cx="2124000" cy="3312000"/>
+          </a:xfrm>
+          <a:prstGeom prst="rect">
+            <a:avLst/>
+          </a:prstGeom>
+          <a:blipFill dpi="0" rotWithShape="1">
+            <a:blip r:embed="rId12">
+              <a:alphaModFix amt="75000"/>
+            </a:blip>
+            <a:srcRect/>
+            <a:tile tx="0" ty="0" sx="100000" sy="100000" flip="none" algn="tl"/>
+          </a:blipFill>
+        </p:spPr>
+        <p:style>
+          <a:lnRef idx="2">
+            <a:schemeClr val="accent1">
+              <a:shade val="15000"/>
+            </a:schemeClr>
+          </a:lnRef>
+          <a:fillRef idx="1">
+            <a:schemeClr val="accent1"/>
+          </a:fillRef>
+          <a:effectRef idx="0">
+            <a:schemeClr val="accent1"/>
+          </a:effectRef>
+          <a:fontRef idx="minor">
+            <a:schemeClr val="lt1"/>
+          </a:fontRef>
+        </p:style>
+        <p:txBody>
+          <a:bodyPr rtlCol="0" anchor="ctr"/>
+          <a:lstStyle/>
+          <a:p>
+            <a:pPr algn="ctr"/>
+            <a:endParaRPr lang="fr-FR"/>
+          </a:p>
+        </p:txBody>
+      </p:sp>
+      <p:sp>
+        <p:nvSpPr>
+          <p:cNvPr id="132" name="Rectangle 131">
+            <a:extLst>
+              <a:ext uri="{FF2B5EF4-FFF2-40B4-BE49-F238E27FC236}">
+                <a16:creationId xmlns:a16="http://schemas.microsoft.com/office/drawing/2014/main" id="{D4FE7814-E25F-C5EB-F56A-41AF1B00DCE1}"/>
+              </a:ext>
+            </a:extLst>
+          </p:cNvPr>
+          <p:cNvSpPr/>
+          <p:nvPr/>
+        </p:nvSpPr>
+        <p:spPr>
+          <a:xfrm>
+            <a:off x="8391147" y="660030"/>
+            <a:ext cx="2124000" cy="432000"/>
+          </a:xfrm>
+          <a:prstGeom prst="rect">
+            <a:avLst/>
+          </a:prstGeom>
+          <a:blipFill dpi="0" rotWithShape="1">
+            <a:blip r:embed="rId13">
+              <a:alphaModFix amt="50000"/>
+              <a:extLst>
+                <a:ext uri="{BEBA8EAE-BF5A-486C-A8C5-ECC9F3942E4B}">
+                  <a14:imgProps xmlns:a14="http://schemas.microsoft.com/office/drawing/2010/main">
+                    <a14:imgLayer r:embed="rId14">
+                      <a14:imgEffect>
+                        <a14:artisticWatercolorSponge/>
+                      </a14:imgEffect>
+                    </a14:imgLayer>
+                  </a14:imgProps>
+                </a:ext>
+              </a:extLst>
+            </a:blip>
+            <a:srcRect/>
+            <a:tile tx="0" ty="0" sx="100000" sy="100000" flip="none" algn="tl"/>
+          </a:blipFill>
+        </p:spPr>
+        <p:style>
+          <a:lnRef idx="2">
+            <a:schemeClr val="accent1">
+              <a:shade val="15000"/>
+            </a:schemeClr>
+          </a:lnRef>
+          <a:fillRef idx="1">
+            <a:schemeClr val="accent1"/>
+          </a:fillRef>
+          <a:effectRef idx="0">
+            <a:schemeClr val="accent1"/>
+          </a:effectRef>
+          <a:fontRef idx="minor">
+            <a:schemeClr val="lt1"/>
+          </a:fontRef>
+        </p:style>
+        <p:txBody>
+          <a:bodyPr rtlCol="0" anchor="ctr"/>
+          <a:lstStyle/>
+          <a:p>
+            <a:pPr algn="ctr"/>
+            <a:r>
+              <a:rPr lang="fr-FR" b="1" dirty="0">
+                <a:solidFill>
+                  <a:schemeClr val="bg1"/>
+                </a:solidFill>
+                <a:latin typeface="Segoe UI" panose="020B0502040204020203" pitchFamily="34" charset="0"/>
+                <a:cs typeface="Segoe UI" panose="020B0502040204020203" pitchFamily="34" charset="0"/>
+              </a:rPr>
+              <a:t>Recruter Troupes</a:t>
+            </a:r>
+          </a:p>
+        </p:txBody>
+      </p:sp>
+      <p:sp>
+        <p:nvSpPr>
+          <p:cNvPr id="133" name="Rectangle 132">
+            <a:extLst>
+              <a:ext uri="{FF2B5EF4-FFF2-40B4-BE49-F238E27FC236}">
+                <a16:creationId xmlns:a16="http://schemas.microsoft.com/office/drawing/2014/main" id="{FA38A5F0-2570-40BC-F1A3-FCDFE388B3B2}"/>
+              </a:ext>
+            </a:extLst>
+          </p:cNvPr>
+          <p:cNvSpPr/>
+          <p:nvPr/>
+        </p:nvSpPr>
+        <p:spPr>
+          <a:xfrm>
+            <a:off x="8391147" y="2516049"/>
+            <a:ext cx="2124000" cy="1440000"/>
+          </a:xfrm>
+          <a:prstGeom prst="rect">
+            <a:avLst/>
+          </a:prstGeom>
+          <a:noFill/>
+        </p:spPr>
+        <p:style>
+          <a:lnRef idx="2">
+            <a:schemeClr val="accent1">
+              <a:shade val="15000"/>
+            </a:schemeClr>
+          </a:lnRef>
+          <a:fillRef idx="1">
+            <a:schemeClr val="accent1"/>
+          </a:fillRef>
+          <a:effectRef idx="0">
+            <a:schemeClr val="accent1"/>
+          </a:effectRef>
+          <a:fontRef idx="minor">
+            <a:schemeClr val="lt1"/>
+          </a:fontRef>
+        </p:style>
+        <p:txBody>
+          <a:bodyPr rtlCol="0" anchor="ctr"/>
+          <a:lstStyle/>
+          <a:p>
+            <a:pPr algn="ctr"/>
+            <a:endParaRPr lang="fr-FR" sz="1200" dirty="0">
+              <a:solidFill>
+                <a:schemeClr val="tx1"/>
+              </a:solidFill>
+            </a:endParaRPr>
+          </a:p>
+        </p:txBody>
+      </p:sp>
+      <p:sp>
+        <p:nvSpPr>
+          <p:cNvPr id="134" name="Ellipse 133">
+            <a:extLst>
+              <a:ext uri="{FF2B5EF4-FFF2-40B4-BE49-F238E27FC236}">
+                <a16:creationId xmlns:a16="http://schemas.microsoft.com/office/drawing/2014/main" id="{3BB1A62F-C095-5E97-483D-104EDADAAB05}"/>
+              </a:ext>
+            </a:extLst>
+          </p:cNvPr>
+          <p:cNvSpPr/>
+          <p:nvPr/>
+        </p:nvSpPr>
+        <p:spPr>
+          <a:xfrm>
+            <a:off x="9309147" y="2371854"/>
+            <a:ext cx="288000" cy="288000"/>
+          </a:xfrm>
+          <a:prstGeom prst="ellipse">
+            <a:avLst/>
+          </a:prstGeom>
+          <a:solidFill>
+            <a:schemeClr val="bg1"/>
+          </a:solidFill>
+          <a:ln>
+            <a:solidFill>
+              <a:schemeClr val="tx1"/>
+            </a:solidFill>
+          </a:ln>
+        </p:spPr>
+        <p:style>
+          <a:lnRef idx="2">
+            <a:schemeClr val="accent1">
+              <a:shade val="15000"/>
+            </a:schemeClr>
+          </a:lnRef>
+          <a:fillRef idx="1">
+            <a:schemeClr val="accent1"/>
+          </a:fillRef>
+          <a:effectRef idx="0">
+            <a:schemeClr val="accent1"/>
+          </a:effectRef>
+          <a:fontRef idx="minor">
+            <a:schemeClr val="lt1"/>
+          </a:fontRef>
+        </p:style>
+        <p:txBody>
+          <a:bodyPr lIns="0" tIns="0" rIns="0" bIns="0" rtlCol="0" anchor="ctr"/>
+          <a:lstStyle/>
+          <a:p>
+            <a:pPr algn="ctr"/>
+            <a:r>
+              <a:rPr lang="fr-FR" sz="1200" b="1" dirty="0">
+                <a:solidFill>
+                  <a:schemeClr val="tx1"/>
+                </a:solidFill>
+              </a:rPr>
+              <a:t>ou</a:t>
+            </a:r>
+          </a:p>
+        </p:txBody>
+      </p:sp>
+      <p:sp>
+        <p:nvSpPr>
+          <p:cNvPr id="135" name="Ellipse 134">
+            <a:extLst>
+              <a:ext uri="{FF2B5EF4-FFF2-40B4-BE49-F238E27FC236}">
+                <a16:creationId xmlns:a16="http://schemas.microsoft.com/office/drawing/2014/main" id="{CE0AA04C-82A6-0BE3-68B3-3F6CF9136CA8}"/>
+              </a:ext>
+            </a:extLst>
+          </p:cNvPr>
+          <p:cNvSpPr/>
+          <p:nvPr/>
+        </p:nvSpPr>
+        <p:spPr>
+          <a:xfrm>
+            <a:off x="6779635" y="2388726"/>
+            <a:ext cx="288000" cy="288000"/>
+          </a:xfrm>
+          <a:prstGeom prst="ellipse">
+            <a:avLst/>
+          </a:prstGeom>
+          <a:solidFill>
+            <a:schemeClr val="bg1"/>
+          </a:solidFill>
+          <a:ln>
+            <a:solidFill>
+              <a:schemeClr val="tx1"/>
+            </a:solidFill>
+          </a:ln>
+        </p:spPr>
+        <p:style>
+          <a:lnRef idx="2">
+            <a:schemeClr val="accent1">
+              <a:shade val="15000"/>
+            </a:schemeClr>
+          </a:lnRef>
+          <a:fillRef idx="1">
+            <a:schemeClr val="accent1"/>
+          </a:fillRef>
+          <a:effectRef idx="0">
+            <a:schemeClr val="accent1"/>
+          </a:effectRef>
+          <a:fontRef idx="minor">
+            <a:schemeClr val="lt1"/>
+          </a:fontRef>
+        </p:style>
+        <p:txBody>
+          <a:bodyPr lIns="0" tIns="0" rIns="0" bIns="0" rtlCol="0" anchor="ctr"/>
+          <a:lstStyle/>
+          <a:p>
+            <a:pPr algn="ctr"/>
+            <a:r>
+              <a:rPr lang="fr-FR" sz="1200" b="1" dirty="0">
+                <a:solidFill>
+                  <a:schemeClr val="tx1"/>
+                </a:solidFill>
+                <a:latin typeface="Segoe UI" panose="020B0502040204020203" pitchFamily="34" charset="0"/>
+                <a:cs typeface="Segoe UI" panose="020B0502040204020203" pitchFamily="34" charset="0"/>
+              </a:rPr>
+              <a:t>ou</a:t>
+            </a:r>
+          </a:p>
+        </p:txBody>
+      </p:sp>
+      <p:sp>
+        <p:nvSpPr>
+          <p:cNvPr id="136" name="Cercle : creux 135">
+            <a:extLst>
+              <a:ext uri="{FF2B5EF4-FFF2-40B4-BE49-F238E27FC236}">
+                <a16:creationId xmlns:a16="http://schemas.microsoft.com/office/drawing/2014/main" id="{7FDDD8BF-8464-8166-4689-3A4E7EBDDAD5}"/>
+              </a:ext>
+            </a:extLst>
+          </p:cNvPr>
+          <p:cNvSpPr/>
+          <p:nvPr/>
+        </p:nvSpPr>
+        <p:spPr>
+          <a:xfrm>
+            <a:off x="5931135" y="2071106"/>
+            <a:ext cx="360000" cy="360000"/>
+          </a:xfrm>
+          <a:prstGeom prst="donut">
+            <a:avLst>
+              <a:gd name="adj" fmla="val 15271"/>
+            </a:avLst>
+          </a:prstGeom>
+          <a:blipFill>
+            <a:blip r:embed="rId8"/>
+            <a:tile tx="0" ty="0" sx="100000" sy="100000" flip="none" algn="tl"/>
+          </a:blipFill>
+          <a:ln w="12700"/>
+        </p:spPr>
+        <p:style>
+          <a:lnRef idx="2">
+            <a:schemeClr val="dk1">
+              <a:shade val="15000"/>
+            </a:schemeClr>
+          </a:lnRef>
+          <a:fillRef idx="1">
+            <a:schemeClr val="dk1"/>
+          </a:fillRef>
+          <a:effectRef idx="0">
+            <a:schemeClr val="dk1"/>
+          </a:effectRef>
+          <a:fontRef idx="minor">
+            <a:schemeClr val="lt1"/>
+          </a:fontRef>
+        </p:style>
+        <p:txBody>
+          <a:bodyPr rtlCol="0" anchor="ctr"/>
+          <a:lstStyle/>
+          <a:p>
+            <a:pPr algn="ctr"/>
+            <a:r>
+              <a:rPr lang="fr-FR" b="1" dirty="0">
+                <a:solidFill>
+                  <a:schemeClr val="tx1"/>
+                </a:solidFill>
+                <a:latin typeface="Segoe UI" panose="020B0502040204020203" pitchFamily="34" charset="0"/>
+                <a:cs typeface="Segoe UI" panose="020B0502040204020203" pitchFamily="34" charset="0"/>
+              </a:rPr>
+              <a:t>2</a:t>
+            </a:r>
+          </a:p>
+        </p:txBody>
+      </p:sp>
+      <p:sp>
+        <p:nvSpPr>
+          <p:cNvPr id="137" name="Cercle : creux 136">
+            <a:extLst>
+              <a:ext uri="{FF2B5EF4-FFF2-40B4-BE49-F238E27FC236}">
+                <a16:creationId xmlns:a16="http://schemas.microsoft.com/office/drawing/2014/main" id="{87310BE5-5D79-D61F-4D82-606CA00E8C12}"/>
+              </a:ext>
+            </a:extLst>
+          </p:cNvPr>
+          <p:cNvSpPr/>
+          <p:nvPr/>
+        </p:nvSpPr>
+        <p:spPr>
+          <a:xfrm>
+            <a:off x="5911644" y="3518218"/>
+            <a:ext cx="360000" cy="360000"/>
+          </a:xfrm>
+          <a:prstGeom prst="donut">
+            <a:avLst>
+              <a:gd name="adj" fmla="val 15271"/>
+            </a:avLst>
+          </a:prstGeom>
+          <a:blipFill>
+            <a:blip r:embed="rId8"/>
+            <a:tile tx="0" ty="0" sx="100000" sy="100000" flip="none" algn="tl"/>
+          </a:blipFill>
+          <a:ln w="12700"/>
+        </p:spPr>
+        <p:style>
+          <a:lnRef idx="2">
+            <a:schemeClr val="dk1">
+              <a:shade val="15000"/>
+            </a:schemeClr>
+          </a:lnRef>
+          <a:fillRef idx="1">
+            <a:schemeClr val="dk1"/>
+          </a:fillRef>
+          <a:effectRef idx="0">
+            <a:schemeClr val="dk1"/>
+          </a:effectRef>
+          <a:fontRef idx="minor">
+            <a:schemeClr val="lt1"/>
+          </a:fontRef>
+        </p:style>
+        <p:txBody>
+          <a:bodyPr rtlCol="0" anchor="ctr"/>
+          <a:lstStyle/>
+          <a:p>
+            <a:pPr algn="ctr"/>
+            <a:r>
+              <a:rPr lang="fr-FR" b="1" dirty="0">
+                <a:solidFill>
+                  <a:schemeClr val="tx1"/>
+                </a:solidFill>
+                <a:latin typeface="Segoe UI" panose="020B0502040204020203" pitchFamily="34" charset="0"/>
+                <a:cs typeface="Segoe UI" panose="020B0502040204020203" pitchFamily="34" charset="0"/>
+              </a:rPr>
+              <a:t>0</a:t>
+            </a:r>
+          </a:p>
+        </p:txBody>
+      </p:sp>
+      <p:sp>
+        <p:nvSpPr>
+          <p:cNvPr id="138" name="ZoneTexte 137">
+            <a:extLst>
+              <a:ext uri="{FF2B5EF4-FFF2-40B4-BE49-F238E27FC236}">
+                <a16:creationId xmlns:a16="http://schemas.microsoft.com/office/drawing/2014/main" id="{3B69C817-4667-85E8-D6AC-8978626619EF}"/>
+              </a:ext>
+            </a:extLst>
+          </p:cNvPr>
+          <p:cNvSpPr txBox="1"/>
+          <p:nvPr/>
+        </p:nvSpPr>
+        <p:spPr>
+          <a:xfrm>
+            <a:off x="6393235" y="1869740"/>
+            <a:ext cx="616465" cy="369332"/>
+          </a:xfrm>
+          <a:prstGeom prst="rect">
+            <a:avLst/>
+          </a:prstGeom>
+          <a:noFill/>
+        </p:spPr>
+        <p:txBody>
+          <a:bodyPr wrap="square" rtlCol="0">
+            <a:spAutoFit/>
+          </a:bodyPr>
+          <a:lstStyle/>
+          <a:p>
+            <a:r>
+              <a:rPr lang="fr-FR" b="1" dirty="0">
+                <a:latin typeface="Segoe UI" panose="020B0502040204020203" pitchFamily="34" charset="0"/>
+                <a:cs typeface="Segoe UI" panose="020B0502040204020203" pitchFamily="34" charset="0"/>
+              </a:rPr>
+              <a:t>T2 :</a:t>
+            </a:r>
+          </a:p>
+        </p:txBody>
+      </p:sp>
+      <p:sp>
+        <p:nvSpPr>
+          <p:cNvPr id="139" name="Signe Plus 138">
+            <a:extLst>
+              <a:ext uri="{FF2B5EF4-FFF2-40B4-BE49-F238E27FC236}">
+                <a16:creationId xmlns:a16="http://schemas.microsoft.com/office/drawing/2014/main" id="{E2020FBE-8F8D-3CE9-D524-297164D0C4A5}"/>
+              </a:ext>
+            </a:extLst>
+          </p:cNvPr>
+          <p:cNvSpPr/>
+          <p:nvPr/>
+        </p:nvSpPr>
+        <p:spPr>
+          <a:xfrm>
+            <a:off x="6917427" y="1945307"/>
+            <a:ext cx="252000" cy="252000"/>
+          </a:xfrm>
+          <a:prstGeom prst="mathPlus">
+            <a:avLst/>
+          </a:prstGeom>
+          <a:solidFill>
+            <a:schemeClr val="tx1"/>
+          </a:solidFill>
+          <a:ln>
+            <a:noFill/>
+          </a:ln>
+        </p:spPr>
+        <p:style>
+          <a:lnRef idx="2">
+            <a:schemeClr val="accent1">
+              <a:shade val="15000"/>
+            </a:schemeClr>
+          </a:lnRef>
+          <a:fillRef idx="1">
+            <a:schemeClr val="accent1"/>
+          </a:fillRef>
+          <a:effectRef idx="0">
+            <a:schemeClr val="accent1"/>
+          </a:effectRef>
+          <a:fontRef idx="minor">
+            <a:schemeClr val="lt1"/>
+          </a:fontRef>
+        </p:style>
+        <p:txBody>
+          <a:bodyPr rtlCol="0" anchor="ctr"/>
+          <a:lstStyle/>
+          <a:p>
+            <a:pPr algn="ctr"/>
+            <a:endParaRPr lang="fr-FR"/>
+          </a:p>
+        </p:txBody>
+      </p:sp>
+      <p:sp>
+        <p:nvSpPr>
+          <p:cNvPr id="140" name="Hexagone 139">
+            <a:extLst>
+              <a:ext uri="{FF2B5EF4-FFF2-40B4-BE49-F238E27FC236}">
+                <a16:creationId xmlns:a16="http://schemas.microsoft.com/office/drawing/2014/main" id="{275A0A27-3867-49C9-2A20-E8DF620D469B}"/>
+              </a:ext>
+            </a:extLst>
+          </p:cNvPr>
+          <p:cNvSpPr/>
+          <p:nvPr/>
+        </p:nvSpPr>
+        <p:spPr>
+          <a:xfrm rot="5400000">
+            <a:off x="7353197" y="1324162"/>
+            <a:ext cx="396000" cy="360000"/>
+          </a:xfrm>
+          <a:prstGeom prst="hexagon">
+            <a:avLst/>
+          </a:prstGeom>
+          <a:blipFill>
+            <a:blip r:embed="rId5"/>
+            <a:tile tx="0" ty="0" sx="100000" sy="100000" flip="none" algn="tl"/>
+          </a:blipFill>
+          <a:ln w="12700">
+            <a:solidFill>
+              <a:schemeClr val="tx1"/>
+            </a:solidFill>
+          </a:ln>
+        </p:spPr>
+        <p:style>
+          <a:lnRef idx="2">
+            <a:schemeClr val="accent1">
+              <a:shade val="15000"/>
+            </a:schemeClr>
+          </a:lnRef>
+          <a:fillRef idx="1">
+            <a:schemeClr val="accent1"/>
+          </a:fillRef>
+          <a:effectRef idx="0">
+            <a:schemeClr val="accent1"/>
+          </a:effectRef>
+          <a:fontRef idx="minor">
+            <a:schemeClr val="lt1"/>
+          </a:fontRef>
+        </p:style>
+        <p:txBody>
+          <a:bodyPr rtlCol="0" anchor="ctr"/>
+          <a:lstStyle/>
+          <a:p>
+            <a:pPr algn="ctr"/>
+            <a:endParaRPr lang="fr-FR"/>
+          </a:p>
+        </p:txBody>
+      </p:sp>
+      <p:sp>
+        <p:nvSpPr>
+          <p:cNvPr id="141" name="Hexagone 140">
+            <a:extLst>
+              <a:ext uri="{FF2B5EF4-FFF2-40B4-BE49-F238E27FC236}">
+                <a16:creationId xmlns:a16="http://schemas.microsoft.com/office/drawing/2014/main" id="{1746E72F-3CEE-3EF0-285B-255EEEF19A41}"/>
+              </a:ext>
+            </a:extLst>
+          </p:cNvPr>
+          <p:cNvSpPr/>
+          <p:nvPr/>
+        </p:nvSpPr>
+        <p:spPr>
+          <a:xfrm rot="5400000">
+            <a:off x="6943922" y="1324162"/>
+            <a:ext cx="396000" cy="360000"/>
+          </a:xfrm>
+          <a:prstGeom prst="hexagon">
+            <a:avLst/>
+          </a:prstGeom>
+          <a:blipFill>
+            <a:blip r:embed="rId5"/>
+            <a:tile tx="0" ty="0" sx="100000" sy="100000" flip="none" algn="tl"/>
+          </a:blipFill>
+          <a:ln w="12700">
+            <a:solidFill>
+              <a:schemeClr val="tx1"/>
+            </a:solidFill>
+          </a:ln>
+        </p:spPr>
+        <p:style>
+          <a:lnRef idx="2">
+            <a:schemeClr val="accent1">
+              <a:shade val="15000"/>
+            </a:schemeClr>
+          </a:lnRef>
+          <a:fillRef idx="1">
+            <a:schemeClr val="accent1"/>
+          </a:fillRef>
+          <a:effectRef idx="0">
+            <a:schemeClr val="accent1"/>
+          </a:effectRef>
+          <a:fontRef idx="minor">
+            <a:schemeClr val="lt1"/>
+          </a:fontRef>
+        </p:style>
+        <p:txBody>
+          <a:bodyPr rtlCol="0" anchor="ctr"/>
+          <a:lstStyle/>
+          <a:p>
+            <a:pPr algn="ctr"/>
+            <a:endParaRPr lang="fr-FR"/>
+          </a:p>
+        </p:txBody>
+      </p:sp>
+      <p:sp>
+        <p:nvSpPr>
+          <p:cNvPr id="142" name="Hexagone 141">
+            <a:extLst>
+              <a:ext uri="{FF2B5EF4-FFF2-40B4-BE49-F238E27FC236}">
+                <a16:creationId xmlns:a16="http://schemas.microsoft.com/office/drawing/2014/main" id="{A23877BE-BE5C-52ED-6C8F-929BD4634E9B}"/>
+              </a:ext>
+            </a:extLst>
+          </p:cNvPr>
+          <p:cNvSpPr/>
+          <p:nvPr/>
+        </p:nvSpPr>
+        <p:spPr>
+          <a:xfrm rot="5400000">
+            <a:off x="6534647" y="1334095"/>
+            <a:ext cx="396000" cy="360000"/>
+          </a:xfrm>
+          <a:prstGeom prst="hexagon">
+            <a:avLst/>
+          </a:prstGeom>
+          <a:blipFill>
+            <a:blip r:embed="rId5"/>
+            <a:tile tx="0" ty="0" sx="100000" sy="100000" flip="none" algn="tl"/>
+          </a:blipFill>
+          <a:ln w="12700">
+            <a:solidFill>
+              <a:schemeClr val="tx1"/>
+            </a:solidFill>
+          </a:ln>
+        </p:spPr>
+        <p:style>
+          <a:lnRef idx="2">
+            <a:schemeClr val="accent1">
+              <a:shade val="15000"/>
+            </a:schemeClr>
+          </a:lnRef>
+          <a:fillRef idx="1">
+            <a:schemeClr val="accent1"/>
+          </a:fillRef>
+          <a:effectRef idx="0">
+            <a:schemeClr val="accent1"/>
+          </a:effectRef>
+          <a:fontRef idx="minor">
+            <a:schemeClr val="lt1"/>
+          </a:fontRef>
+        </p:style>
+        <p:txBody>
+          <a:bodyPr rtlCol="0" anchor="ctr"/>
+          <a:lstStyle/>
+          <a:p>
+            <a:pPr algn="ctr"/>
+            <a:endParaRPr lang="fr-FR"/>
+          </a:p>
+        </p:txBody>
+      </p:sp>
+      <p:sp>
+        <p:nvSpPr>
+          <p:cNvPr id="143" name="Hexagone 142">
+            <a:extLst>
+              <a:ext uri="{FF2B5EF4-FFF2-40B4-BE49-F238E27FC236}">
+                <a16:creationId xmlns:a16="http://schemas.microsoft.com/office/drawing/2014/main" id="{952AD64E-2429-B286-3B23-929AA5B965D4}"/>
+              </a:ext>
+            </a:extLst>
+          </p:cNvPr>
+          <p:cNvSpPr/>
+          <p:nvPr/>
+        </p:nvSpPr>
+        <p:spPr>
+          <a:xfrm rot="5400000">
+            <a:off x="6121144" y="1334095"/>
+            <a:ext cx="396000" cy="360000"/>
+          </a:xfrm>
+          <a:prstGeom prst="hexagon">
+            <a:avLst/>
+          </a:prstGeom>
+          <a:solidFill>
+            <a:schemeClr val="bg1"/>
+          </a:solidFill>
+          <a:ln w="12700">
+            <a:solidFill>
+              <a:schemeClr val="tx1"/>
+            </a:solidFill>
+          </a:ln>
+        </p:spPr>
+        <p:style>
+          <a:lnRef idx="2">
+            <a:schemeClr val="accent1">
+              <a:shade val="15000"/>
+            </a:schemeClr>
+          </a:lnRef>
+          <a:fillRef idx="1">
+            <a:schemeClr val="accent1"/>
+          </a:fillRef>
+          <a:effectRef idx="0">
+            <a:schemeClr val="accent1"/>
+          </a:effectRef>
+          <a:fontRef idx="minor">
+            <a:schemeClr val="lt1"/>
+          </a:fontRef>
+        </p:style>
+        <p:txBody>
+          <a:bodyPr rtlCol="0" anchor="ctr"/>
+          <a:lstStyle/>
+          <a:p>
+            <a:pPr algn="ctr"/>
+            <a:endParaRPr lang="fr-FR"/>
+          </a:p>
+        </p:txBody>
+      </p:sp>
+      <p:sp>
+        <p:nvSpPr>
+          <p:cNvPr id="144" name="Hexagone 143">
+            <a:extLst>
+              <a:ext uri="{FF2B5EF4-FFF2-40B4-BE49-F238E27FC236}">
+                <a16:creationId xmlns:a16="http://schemas.microsoft.com/office/drawing/2014/main" id="{BF725BFA-051A-9277-8BE5-8799DEBDD8E0}"/>
+              </a:ext>
+            </a:extLst>
+          </p:cNvPr>
+          <p:cNvSpPr/>
+          <p:nvPr/>
+        </p:nvSpPr>
+        <p:spPr>
+          <a:xfrm rot="5400000">
+            <a:off x="6993197" y="3072947"/>
+            <a:ext cx="396000" cy="360000"/>
+          </a:xfrm>
+          <a:prstGeom prst="hexagon">
+            <a:avLst/>
+          </a:prstGeom>
+          <a:blipFill>
+            <a:blip r:embed="rId5"/>
+            <a:tile tx="0" ty="0" sx="100000" sy="100000" flip="none" algn="tl"/>
+          </a:blipFill>
+          <a:ln w="12700">
+            <a:solidFill>
+              <a:schemeClr val="tx1"/>
+            </a:solidFill>
+          </a:ln>
+        </p:spPr>
+        <p:style>
+          <a:lnRef idx="2">
+            <a:schemeClr val="accent1">
+              <a:shade val="15000"/>
+            </a:schemeClr>
+          </a:lnRef>
+          <a:fillRef idx="1">
+            <a:schemeClr val="accent1"/>
+          </a:fillRef>
+          <a:effectRef idx="0">
+            <a:schemeClr val="accent1"/>
+          </a:effectRef>
+          <a:fontRef idx="minor">
+            <a:schemeClr val="lt1"/>
+          </a:fontRef>
+        </p:style>
+        <p:txBody>
+          <a:bodyPr rtlCol="0" anchor="ctr"/>
+          <a:lstStyle/>
+          <a:p>
+            <a:pPr algn="ctr"/>
+            <a:endParaRPr lang="fr-FR"/>
+          </a:p>
+        </p:txBody>
+      </p:sp>
+      <p:sp>
+        <p:nvSpPr>
+          <p:cNvPr id="145" name="Hexagone 144">
+            <a:extLst>
+              <a:ext uri="{FF2B5EF4-FFF2-40B4-BE49-F238E27FC236}">
+                <a16:creationId xmlns:a16="http://schemas.microsoft.com/office/drawing/2014/main" id="{FBCA7174-65C4-C9FA-65C8-66ADE26E3E95}"/>
+              </a:ext>
+            </a:extLst>
+          </p:cNvPr>
+          <p:cNvSpPr/>
+          <p:nvPr/>
+        </p:nvSpPr>
+        <p:spPr>
+          <a:xfrm rot="5400000">
+            <a:off x="6579694" y="3072947"/>
+            <a:ext cx="396000" cy="360000"/>
+          </a:xfrm>
+          <a:prstGeom prst="hexagon">
+            <a:avLst/>
+          </a:prstGeom>
+          <a:solidFill>
+            <a:schemeClr val="bg1"/>
+          </a:solidFill>
+          <a:ln w="12700">
+            <a:solidFill>
+              <a:schemeClr val="tx1"/>
+            </a:solidFill>
+          </a:ln>
+        </p:spPr>
+        <p:style>
+          <a:lnRef idx="2">
+            <a:schemeClr val="accent1">
+              <a:shade val="15000"/>
+            </a:schemeClr>
+          </a:lnRef>
+          <a:fillRef idx="1">
+            <a:schemeClr val="accent1"/>
+          </a:fillRef>
+          <a:effectRef idx="0">
+            <a:schemeClr val="accent1"/>
+          </a:effectRef>
+          <a:fontRef idx="minor">
+            <a:schemeClr val="lt1"/>
+          </a:fontRef>
+        </p:style>
+        <p:txBody>
+          <a:bodyPr rtlCol="0" anchor="ctr"/>
+          <a:lstStyle/>
+          <a:p>
+            <a:pPr algn="ctr"/>
+            <a:endParaRPr lang="fr-FR"/>
+          </a:p>
+        </p:txBody>
+      </p:sp>
+      <p:sp>
+        <p:nvSpPr>
+          <p:cNvPr id="146" name="Hexagone 145">
+            <a:extLst>
+              <a:ext uri="{FF2B5EF4-FFF2-40B4-BE49-F238E27FC236}">
+                <a16:creationId xmlns:a16="http://schemas.microsoft.com/office/drawing/2014/main" id="{1C1990B2-A6A7-E57F-D6B6-14A24A327674}"/>
+              </a:ext>
+            </a:extLst>
+          </p:cNvPr>
+          <p:cNvSpPr/>
+          <p:nvPr/>
+        </p:nvSpPr>
+        <p:spPr>
+          <a:xfrm rot="5400000">
+            <a:off x="7214427" y="1892827"/>
+            <a:ext cx="396000" cy="360000"/>
+          </a:xfrm>
+          <a:prstGeom prst="hexagon">
+            <a:avLst/>
+          </a:prstGeom>
+          <a:blipFill>
+            <a:blip r:embed="rId5"/>
+            <a:tile tx="0" ty="0" sx="100000" sy="100000" flip="none" algn="tl"/>
+          </a:blipFill>
+          <a:ln w="12700">
+            <a:solidFill>
+              <a:schemeClr val="tx1"/>
+            </a:solidFill>
+          </a:ln>
+        </p:spPr>
+        <p:style>
+          <a:lnRef idx="2">
+            <a:schemeClr val="accent1">
+              <a:shade val="15000"/>
+            </a:schemeClr>
+          </a:lnRef>
+          <a:fillRef idx="1">
+            <a:schemeClr val="accent1"/>
+          </a:fillRef>
+          <a:effectRef idx="0">
+            <a:schemeClr val="accent1"/>
+          </a:effectRef>
+          <a:fontRef idx="minor">
+            <a:schemeClr val="lt1"/>
+          </a:fontRef>
+        </p:style>
+        <p:txBody>
+          <a:bodyPr rtlCol="0" anchor="ctr"/>
+          <a:lstStyle/>
+          <a:p>
+            <a:pPr algn="ctr"/>
+            <a:endParaRPr lang="fr-FR"/>
+          </a:p>
+        </p:txBody>
+      </p:sp>
+      <p:sp>
+        <p:nvSpPr>
+          <p:cNvPr id="147" name="Cercle : creux 146">
+            <a:extLst>
+              <a:ext uri="{FF2B5EF4-FFF2-40B4-BE49-F238E27FC236}">
+                <a16:creationId xmlns:a16="http://schemas.microsoft.com/office/drawing/2014/main" id="{72B0B8DB-A2CD-9FD7-F49C-61F196719A88}"/>
+              </a:ext>
+            </a:extLst>
+          </p:cNvPr>
+          <p:cNvSpPr/>
+          <p:nvPr/>
+        </p:nvSpPr>
+        <p:spPr>
+          <a:xfrm>
+            <a:off x="8463147" y="3523158"/>
+            <a:ext cx="360000" cy="360000"/>
+          </a:xfrm>
+          <a:prstGeom prst="donut">
+            <a:avLst>
+              <a:gd name="adj" fmla="val 15271"/>
+            </a:avLst>
+          </a:prstGeom>
+          <a:blipFill>
+            <a:blip r:embed="rId8"/>
+            <a:tile tx="0" ty="0" sx="100000" sy="100000" flip="none" algn="tl"/>
+          </a:blipFill>
+          <a:ln w="12700"/>
+        </p:spPr>
+        <p:style>
+          <a:lnRef idx="2">
+            <a:schemeClr val="dk1">
+              <a:shade val="15000"/>
+            </a:schemeClr>
+          </a:lnRef>
+          <a:fillRef idx="1">
+            <a:schemeClr val="dk1"/>
+          </a:fillRef>
+          <a:effectRef idx="0">
+            <a:schemeClr val="dk1"/>
+          </a:effectRef>
+          <a:fontRef idx="minor">
+            <a:schemeClr val="lt1"/>
+          </a:fontRef>
+        </p:style>
+        <p:txBody>
+          <a:bodyPr rtlCol="0" anchor="ctr"/>
+          <a:lstStyle/>
+          <a:p>
+            <a:pPr algn="ctr"/>
+            <a:r>
+              <a:rPr lang="fr-FR" b="1" dirty="0">
+                <a:solidFill>
+                  <a:schemeClr val="bg1"/>
+                </a:solidFill>
+                <a:latin typeface="Segoe UI" panose="020B0502040204020203" pitchFamily="34" charset="0"/>
+                <a:cs typeface="Segoe UI" panose="020B0502040204020203" pitchFamily="34" charset="0"/>
+              </a:rPr>
+              <a:t>1</a:t>
+            </a:r>
+          </a:p>
+        </p:txBody>
+      </p:sp>
+      <p:sp>
+        <p:nvSpPr>
+          <p:cNvPr id="148" name="Cercle : creux 147">
+            <a:extLst>
+              <a:ext uri="{FF2B5EF4-FFF2-40B4-BE49-F238E27FC236}">
+                <a16:creationId xmlns:a16="http://schemas.microsoft.com/office/drawing/2014/main" id="{70F5F2B4-4A8B-AF97-A9CD-345954EC3B50}"/>
+              </a:ext>
+            </a:extLst>
+          </p:cNvPr>
+          <p:cNvSpPr/>
+          <p:nvPr/>
+        </p:nvSpPr>
+        <p:spPr>
+          <a:xfrm>
+            <a:off x="8463147" y="2070806"/>
+            <a:ext cx="360000" cy="360000"/>
+          </a:xfrm>
+          <a:prstGeom prst="donut">
+            <a:avLst>
+              <a:gd name="adj" fmla="val 15271"/>
+            </a:avLst>
+          </a:prstGeom>
+          <a:blipFill>
+            <a:blip r:embed="rId8"/>
+            <a:tile tx="0" ty="0" sx="100000" sy="100000" flip="none" algn="tl"/>
+          </a:blipFill>
+          <a:ln w="12700"/>
+        </p:spPr>
+        <p:style>
+          <a:lnRef idx="2">
+            <a:schemeClr val="dk1">
+              <a:shade val="15000"/>
+            </a:schemeClr>
+          </a:lnRef>
+          <a:fillRef idx="1">
+            <a:schemeClr val="dk1"/>
+          </a:fillRef>
+          <a:effectRef idx="0">
+            <a:schemeClr val="dk1"/>
+          </a:effectRef>
+          <a:fontRef idx="minor">
+            <a:schemeClr val="lt1"/>
+          </a:fontRef>
+        </p:style>
+        <p:txBody>
+          <a:bodyPr rtlCol="0" anchor="ctr"/>
+          <a:lstStyle/>
+          <a:p>
+            <a:pPr algn="ctr"/>
+            <a:r>
+              <a:rPr lang="fr-FR" b="1" dirty="0">
+                <a:solidFill>
+                  <a:schemeClr val="bg1"/>
+                </a:solidFill>
+                <a:latin typeface="Segoe UI" panose="020B0502040204020203" pitchFamily="34" charset="0"/>
+                <a:cs typeface="Segoe UI" panose="020B0502040204020203" pitchFamily="34" charset="0"/>
+              </a:rPr>
+              <a:t>3</a:t>
+            </a:r>
+          </a:p>
+        </p:txBody>
+      </p:sp>
+      <p:sp>
+        <p:nvSpPr>
+          <p:cNvPr id="149" name="ZoneTexte 148">
+            <a:extLst>
+              <a:ext uri="{FF2B5EF4-FFF2-40B4-BE49-F238E27FC236}">
+                <a16:creationId xmlns:a16="http://schemas.microsoft.com/office/drawing/2014/main" id="{8C359FD1-85F3-3D38-11EC-DE0169FB354E}"/>
+              </a:ext>
+            </a:extLst>
+          </p:cNvPr>
+          <p:cNvSpPr txBox="1"/>
+          <p:nvPr/>
+        </p:nvSpPr>
+        <p:spPr>
+          <a:xfrm>
+            <a:off x="8912330" y="1858626"/>
+            <a:ext cx="645894" cy="369332"/>
+          </a:xfrm>
+          <a:prstGeom prst="rect">
+            <a:avLst/>
+          </a:prstGeom>
+          <a:noFill/>
+        </p:spPr>
+        <p:txBody>
+          <a:bodyPr wrap="square" rtlCol="0">
+            <a:spAutoFit/>
+          </a:bodyPr>
+          <a:lstStyle/>
+          <a:p>
+            <a:r>
+              <a:rPr lang="fr-FR" b="1" dirty="0">
+                <a:solidFill>
+                  <a:schemeClr val="bg1"/>
+                </a:solidFill>
+                <a:latin typeface="Segoe UI" panose="020B0502040204020203" pitchFamily="34" charset="0"/>
+                <a:cs typeface="Segoe UI" panose="020B0502040204020203" pitchFamily="34" charset="0"/>
+              </a:rPr>
+              <a:t>T1 :</a:t>
+            </a:r>
+          </a:p>
+        </p:txBody>
+      </p:sp>
+      <p:sp>
+        <p:nvSpPr>
+          <p:cNvPr id="150" name="Signe Plus 149">
+            <a:extLst>
+              <a:ext uri="{FF2B5EF4-FFF2-40B4-BE49-F238E27FC236}">
+                <a16:creationId xmlns:a16="http://schemas.microsoft.com/office/drawing/2014/main" id="{7481C196-DCFD-25FB-9855-40F5D8C30F2E}"/>
+              </a:ext>
+            </a:extLst>
+          </p:cNvPr>
+          <p:cNvSpPr/>
+          <p:nvPr/>
+        </p:nvSpPr>
+        <p:spPr>
+          <a:xfrm>
+            <a:off x="9432224" y="1936184"/>
+            <a:ext cx="252000" cy="252000"/>
+          </a:xfrm>
+          <a:prstGeom prst="mathPlus">
+            <a:avLst/>
+          </a:prstGeom>
+          <a:solidFill>
+            <a:schemeClr val="bg1"/>
+          </a:solidFill>
+          <a:ln>
+            <a:noFill/>
+          </a:ln>
+        </p:spPr>
+        <p:style>
+          <a:lnRef idx="2">
+            <a:schemeClr val="accent1">
+              <a:shade val="15000"/>
+            </a:schemeClr>
+          </a:lnRef>
+          <a:fillRef idx="1">
+            <a:schemeClr val="accent1"/>
+          </a:fillRef>
+          <a:effectRef idx="0">
+            <a:schemeClr val="accent1"/>
+          </a:effectRef>
+          <a:fontRef idx="minor">
+            <a:schemeClr val="lt1"/>
+          </a:fontRef>
+        </p:style>
+        <p:txBody>
+          <a:bodyPr rtlCol="0" anchor="ctr"/>
+          <a:lstStyle/>
+          <a:p>
+            <a:pPr algn="ctr"/>
+            <a:endParaRPr lang="fr-FR"/>
+          </a:p>
+        </p:txBody>
+      </p:sp>
+      <p:sp>
+        <p:nvSpPr>
+          <p:cNvPr id="151" name="Hexagone 150">
+            <a:extLst>
+              <a:ext uri="{FF2B5EF4-FFF2-40B4-BE49-F238E27FC236}">
+                <a16:creationId xmlns:a16="http://schemas.microsoft.com/office/drawing/2014/main" id="{6CE09C9F-3B20-7D87-DF77-0FC1DC65F2AC}"/>
+              </a:ext>
+            </a:extLst>
+          </p:cNvPr>
+          <p:cNvSpPr/>
+          <p:nvPr/>
+        </p:nvSpPr>
+        <p:spPr>
+          <a:xfrm rot="5400000">
+            <a:off x="9953984" y="1294866"/>
+            <a:ext cx="396000" cy="360000"/>
+          </a:xfrm>
+          <a:prstGeom prst="hexagon">
+            <a:avLst/>
+          </a:prstGeom>
+          <a:solidFill>
+            <a:schemeClr val="bg1"/>
+          </a:solidFill>
+          <a:ln w="12700">
+            <a:solidFill>
+              <a:schemeClr val="tx1"/>
+            </a:solidFill>
+          </a:ln>
+        </p:spPr>
+        <p:style>
+          <a:lnRef idx="2">
+            <a:schemeClr val="accent1">
+              <a:shade val="15000"/>
+            </a:schemeClr>
+          </a:lnRef>
+          <a:fillRef idx="1">
+            <a:schemeClr val="accent1"/>
+          </a:fillRef>
+          <a:effectRef idx="0">
+            <a:schemeClr val="accent1"/>
+          </a:effectRef>
+          <a:fontRef idx="minor">
+            <a:schemeClr val="lt1"/>
+          </a:fontRef>
+        </p:style>
+        <p:txBody>
+          <a:bodyPr rtlCol="0" anchor="ctr"/>
+          <a:lstStyle/>
+          <a:p>
+            <a:pPr algn="ctr"/>
+            <a:endParaRPr lang="fr-FR"/>
+          </a:p>
+        </p:txBody>
+      </p:sp>
+      <p:sp>
+        <p:nvSpPr>
+          <p:cNvPr id="152" name="Ellipse 151">
+            <a:extLst>
+              <a:ext uri="{FF2B5EF4-FFF2-40B4-BE49-F238E27FC236}">
+                <a16:creationId xmlns:a16="http://schemas.microsoft.com/office/drawing/2014/main" id="{E00BA9F5-ABD1-E30B-A0CF-3BD3BB546AF3}"/>
+              </a:ext>
+            </a:extLst>
+          </p:cNvPr>
+          <p:cNvSpPr/>
+          <p:nvPr/>
+        </p:nvSpPr>
+        <p:spPr>
+          <a:xfrm>
+            <a:off x="8535147" y="1294866"/>
+            <a:ext cx="360000" cy="360000"/>
+          </a:xfrm>
+          <a:prstGeom prst="ellipse">
+            <a:avLst/>
+          </a:prstGeom>
+          <a:blipFill>
+            <a:blip r:embed="rId2"/>
+            <a:tile tx="0" ty="0" sx="100000" sy="100000" flip="none" algn="tl"/>
+          </a:blipFill>
+          <a:ln w="12700">
+            <a:solidFill>
+              <a:schemeClr val="tx1"/>
+            </a:solidFill>
+          </a:ln>
+        </p:spPr>
+        <p:style>
+          <a:lnRef idx="2">
+            <a:schemeClr val="accent1">
+              <a:shade val="15000"/>
+            </a:schemeClr>
+          </a:lnRef>
+          <a:fillRef idx="1">
+            <a:schemeClr val="accent1"/>
+          </a:fillRef>
+          <a:effectRef idx="0">
+            <a:schemeClr val="accent1"/>
+          </a:effectRef>
+          <a:fontRef idx="minor">
+            <a:schemeClr val="lt1"/>
+          </a:fontRef>
+        </p:style>
+        <p:txBody>
+          <a:bodyPr rtlCol="0" anchor="ctr"/>
+          <a:lstStyle/>
+          <a:p>
+            <a:pPr algn="ctr"/>
+            <a:endParaRPr lang="fr-FR"/>
+          </a:p>
+        </p:txBody>
+      </p:sp>
+      <p:sp>
+        <p:nvSpPr>
+          <p:cNvPr id="153" name="Ellipse 152">
+            <a:extLst>
+              <a:ext uri="{FF2B5EF4-FFF2-40B4-BE49-F238E27FC236}">
+                <a16:creationId xmlns:a16="http://schemas.microsoft.com/office/drawing/2014/main" id="{E15B3930-D4F4-849F-80B9-664B3B64538B}"/>
+              </a:ext>
+            </a:extLst>
+          </p:cNvPr>
+          <p:cNvSpPr/>
+          <p:nvPr/>
+        </p:nvSpPr>
+        <p:spPr>
+          <a:xfrm>
+            <a:off x="8901473" y="1294866"/>
+            <a:ext cx="360000" cy="360000"/>
+          </a:xfrm>
+          <a:prstGeom prst="ellipse">
+            <a:avLst/>
+          </a:prstGeom>
+          <a:blipFill>
+            <a:blip r:embed="rId2"/>
+            <a:tile tx="0" ty="0" sx="100000" sy="100000" flip="none" algn="tl"/>
+          </a:blipFill>
+          <a:ln w="12700">
+            <a:solidFill>
+              <a:schemeClr val="tx1"/>
+            </a:solidFill>
+          </a:ln>
+        </p:spPr>
+        <p:style>
+          <a:lnRef idx="2">
+            <a:schemeClr val="accent1">
+              <a:shade val="15000"/>
+            </a:schemeClr>
+          </a:lnRef>
+          <a:fillRef idx="1">
+            <a:schemeClr val="accent1"/>
+          </a:fillRef>
+          <a:effectRef idx="0">
+            <a:schemeClr val="accent1"/>
+          </a:effectRef>
+          <a:fontRef idx="minor">
+            <a:schemeClr val="lt1"/>
+          </a:fontRef>
+        </p:style>
+        <p:txBody>
+          <a:bodyPr rtlCol="0" anchor="ctr"/>
+          <a:lstStyle/>
+          <a:p>
+            <a:pPr algn="ctr"/>
+            <a:endParaRPr lang="fr-FR"/>
+          </a:p>
+        </p:txBody>
+      </p:sp>
+      <p:sp>
+        <p:nvSpPr>
+          <p:cNvPr id="154" name="Ellipse 153">
+            <a:extLst>
+              <a:ext uri="{FF2B5EF4-FFF2-40B4-BE49-F238E27FC236}">
+                <a16:creationId xmlns:a16="http://schemas.microsoft.com/office/drawing/2014/main" id="{103A5920-E7DF-8325-B96A-42DAFAF3B398}"/>
+              </a:ext>
+            </a:extLst>
+          </p:cNvPr>
+          <p:cNvSpPr/>
+          <p:nvPr/>
+        </p:nvSpPr>
+        <p:spPr>
+          <a:xfrm>
+            <a:off x="9264293" y="1294866"/>
+            <a:ext cx="360000" cy="360000"/>
+          </a:xfrm>
+          <a:prstGeom prst="ellipse">
+            <a:avLst/>
+          </a:prstGeom>
+          <a:blipFill>
+            <a:blip r:embed="rId2"/>
+            <a:tile tx="0" ty="0" sx="100000" sy="100000" flip="none" algn="tl"/>
+          </a:blipFill>
+          <a:ln w="12700">
+            <a:solidFill>
+              <a:schemeClr val="tx1"/>
+            </a:solidFill>
+          </a:ln>
+        </p:spPr>
+        <p:style>
+          <a:lnRef idx="2">
+            <a:schemeClr val="accent1">
+              <a:shade val="15000"/>
+            </a:schemeClr>
+          </a:lnRef>
+          <a:fillRef idx="1">
+            <a:schemeClr val="accent1"/>
+          </a:fillRef>
+          <a:effectRef idx="0">
+            <a:schemeClr val="accent1"/>
+          </a:effectRef>
+          <a:fontRef idx="minor">
+            <a:schemeClr val="lt1"/>
+          </a:fontRef>
+        </p:style>
+        <p:txBody>
+          <a:bodyPr rtlCol="0" anchor="ctr"/>
+          <a:lstStyle/>
+          <a:p>
+            <a:pPr algn="ctr"/>
+            <a:endParaRPr lang="fr-FR"/>
+          </a:p>
+        </p:txBody>
+      </p:sp>
+      <p:sp>
+        <p:nvSpPr>
+          <p:cNvPr id="155" name="Ellipse 154">
+            <a:extLst>
+              <a:ext uri="{FF2B5EF4-FFF2-40B4-BE49-F238E27FC236}">
+                <a16:creationId xmlns:a16="http://schemas.microsoft.com/office/drawing/2014/main" id="{C03AF27C-A951-D8DB-7DE0-38D862B6451A}"/>
+              </a:ext>
+            </a:extLst>
+          </p:cNvPr>
+          <p:cNvSpPr/>
+          <p:nvPr/>
+        </p:nvSpPr>
+        <p:spPr>
+          <a:xfrm>
+            <a:off x="9725733" y="1882184"/>
+            <a:ext cx="360000" cy="360000"/>
+          </a:xfrm>
+          <a:prstGeom prst="ellipse">
+            <a:avLst/>
+          </a:prstGeom>
+          <a:blipFill>
+            <a:blip r:embed="rId2"/>
+            <a:tile tx="0" ty="0" sx="100000" sy="100000" flip="none" algn="tl"/>
+          </a:blipFill>
+          <a:ln w="12700">
+            <a:solidFill>
+              <a:schemeClr val="tx1"/>
+            </a:solidFill>
+          </a:ln>
+        </p:spPr>
+        <p:style>
+          <a:lnRef idx="2">
+            <a:schemeClr val="accent1">
+              <a:shade val="15000"/>
+            </a:schemeClr>
+          </a:lnRef>
+          <a:fillRef idx="1">
+            <a:schemeClr val="accent1"/>
+          </a:fillRef>
+          <a:effectRef idx="0">
+            <a:schemeClr val="accent1"/>
+          </a:effectRef>
+          <a:fontRef idx="minor">
+            <a:schemeClr val="lt1"/>
+          </a:fontRef>
+        </p:style>
+        <p:txBody>
+          <a:bodyPr rtlCol="0" anchor="ctr"/>
+          <a:lstStyle/>
+          <a:p>
+            <a:pPr algn="ctr"/>
+            <a:endParaRPr lang="fr-FR"/>
+          </a:p>
+        </p:txBody>
+      </p:sp>
+      <p:cxnSp>
+        <p:nvCxnSpPr>
+          <p:cNvPr id="156" name="Connecteur droit avec flèche 155">
+            <a:extLst>
+              <a:ext uri="{FF2B5EF4-FFF2-40B4-BE49-F238E27FC236}">
+                <a16:creationId xmlns:a16="http://schemas.microsoft.com/office/drawing/2014/main" id="{4351F397-DD17-5FBB-18FF-BDD56252F8AA}"/>
+              </a:ext>
+            </a:extLst>
+          </p:cNvPr>
+          <p:cNvCxnSpPr>
+            <a:cxnSpLocks/>
+          </p:cNvCxnSpPr>
+          <p:nvPr/>
+        </p:nvCxnSpPr>
+        <p:spPr>
+          <a:xfrm>
+            <a:off x="9666554" y="1474866"/>
+            <a:ext cx="568633" cy="0"/>
+          </a:xfrm>
+          <a:prstGeom prst="straightConnector1">
+            <a:avLst/>
+          </a:prstGeom>
+          <a:ln w="57150">
+            <a:tailEnd type="triangle"/>
+          </a:ln>
+        </p:spPr>
+        <p:style>
+          <a:lnRef idx="2">
+            <a:schemeClr val="dk1"/>
+          </a:lnRef>
+          <a:fillRef idx="0">
+            <a:schemeClr val="dk1"/>
+          </a:fillRef>
+          <a:effectRef idx="1">
+            <a:schemeClr val="dk1"/>
+          </a:effectRef>
+          <a:fontRef idx="minor">
+            <a:schemeClr val="tx1"/>
+          </a:fontRef>
+        </p:style>
+      </p:cxnSp>
+      <p:sp>
+        <p:nvSpPr>
+          <p:cNvPr id="157" name="Hexagone 156">
+            <a:extLst>
+              <a:ext uri="{FF2B5EF4-FFF2-40B4-BE49-F238E27FC236}">
+                <a16:creationId xmlns:a16="http://schemas.microsoft.com/office/drawing/2014/main" id="{E546325D-8EF5-FBDC-0F9B-A4ED63A488D1}"/>
+              </a:ext>
+            </a:extLst>
+          </p:cNvPr>
+          <p:cNvSpPr/>
+          <p:nvPr/>
+        </p:nvSpPr>
+        <p:spPr>
+          <a:xfrm rot="5400000">
+            <a:off x="9579957" y="3019847"/>
+            <a:ext cx="396000" cy="360000"/>
+          </a:xfrm>
+          <a:prstGeom prst="hexagon">
+            <a:avLst/>
+          </a:prstGeom>
+          <a:solidFill>
+            <a:schemeClr val="bg1"/>
+          </a:solidFill>
+          <a:ln w="12700">
+            <a:solidFill>
+              <a:schemeClr val="tx1"/>
+            </a:solidFill>
+          </a:ln>
+        </p:spPr>
+        <p:style>
+          <a:lnRef idx="2">
+            <a:schemeClr val="accent1">
+              <a:shade val="15000"/>
+            </a:schemeClr>
+          </a:lnRef>
+          <a:fillRef idx="1">
+            <a:schemeClr val="accent1"/>
+          </a:fillRef>
+          <a:effectRef idx="0">
+            <a:schemeClr val="accent1"/>
+          </a:effectRef>
+          <a:fontRef idx="minor">
+            <a:schemeClr val="lt1"/>
+          </a:fontRef>
+        </p:style>
+        <p:txBody>
+          <a:bodyPr rtlCol="0" anchor="ctr"/>
+          <a:lstStyle/>
+          <a:p>
+            <a:pPr algn="ctr"/>
+            <a:endParaRPr lang="fr-FR"/>
+          </a:p>
+        </p:txBody>
+      </p:sp>
+      <p:sp>
+        <p:nvSpPr>
+          <p:cNvPr id="158" name="Ellipse 157">
+            <a:extLst>
+              <a:ext uri="{FF2B5EF4-FFF2-40B4-BE49-F238E27FC236}">
+                <a16:creationId xmlns:a16="http://schemas.microsoft.com/office/drawing/2014/main" id="{B844D743-4A96-EF5A-FBE0-B2DD2F588350}"/>
+              </a:ext>
+            </a:extLst>
+          </p:cNvPr>
+          <p:cNvSpPr/>
+          <p:nvPr/>
+        </p:nvSpPr>
+        <p:spPr>
+          <a:xfrm>
+            <a:off x="8890266" y="3019847"/>
+            <a:ext cx="360000" cy="360000"/>
+          </a:xfrm>
+          <a:prstGeom prst="ellipse">
+            <a:avLst/>
+          </a:prstGeom>
+          <a:blipFill>
+            <a:blip r:embed="rId2"/>
+            <a:tile tx="0" ty="0" sx="100000" sy="100000" flip="none" algn="tl"/>
+          </a:blipFill>
+          <a:ln w="12700">
+            <a:solidFill>
+              <a:schemeClr val="tx1"/>
+            </a:solidFill>
+          </a:ln>
+        </p:spPr>
+        <p:style>
+          <a:lnRef idx="2">
+            <a:schemeClr val="accent1">
+              <a:shade val="15000"/>
+            </a:schemeClr>
+          </a:lnRef>
+          <a:fillRef idx="1">
+            <a:schemeClr val="accent1"/>
+          </a:fillRef>
+          <a:effectRef idx="0">
+            <a:schemeClr val="accent1"/>
+          </a:effectRef>
+          <a:fontRef idx="minor">
+            <a:schemeClr val="lt1"/>
+          </a:fontRef>
+        </p:style>
+        <p:txBody>
+          <a:bodyPr rtlCol="0" anchor="ctr"/>
+          <a:lstStyle/>
+          <a:p>
+            <a:pPr algn="ctr"/>
+            <a:endParaRPr lang="fr-FR"/>
+          </a:p>
+        </p:txBody>
+      </p:sp>
+      <p:cxnSp>
+        <p:nvCxnSpPr>
+          <p:cNvPr id="159" name="Connecteur droit avec flèche 158">
+            <a:extLst>
+              <a:ext uri="{FF2B5EF4-FFF2-40B4-BE49-F238E27FC236}">
+                <a16:creationId xmlns:a16="http://schemas.microsoft.com/office/drawing/2014/main" id="{DCA97935-71C9-B623-00FC-C204F63AE411}"/>
+              </a:ext>
+            </a:extLst>
+          </p:cNvPr>
+          <p:cNvCxnSpPr>
+            <a:cxnSpLocks/>
+          </p:cNvCxnSpPr>
+          <p:nvPr/>
+        </p:nvCxnSpPr>
+        <p:spPr>
+          <a:xfrm>
+            <a:off x="9292527" y="3199847"/>
+            <a:ext cx="568633" cy="0"/>
+          </a:xfrm>
+          <a:prstGeom prst="straightConnector1">
+            <a:avLst/>
+          </a:prstGeom>
+          <a:ln w="57150">
+            <a:tailEnd type="triangle"/>
+          </a:ln>
+        </p:spPr>
+        <p:style>
+          <a:lnRef idx="2">
+            <a:schemeClr val="dk1"/>
+          </a:lnRef>
+          <a:fillRef idx="0">
+            <a:schemeClr val="dk1"/>
+          </a:fillRef>
+          <a:effectRef idx="1">
+            <a:schemeClr val="dk1"/>
+          </a:effectRef>
+          <a:fontRef idx="minor">
+            <a:schemeClr val="tx1"/>
+          </a:fontRef>
+        </p:style>
+      </p:cxnSp>
+      <p:cxnSp>
+        <p:nvCxnSpPr>
+          <p:cNvPr id="160" name="Connecteur droit avec flèche 159">
+            <a:extLst>
+              <a:ext uri="{FF2B5EF4-FFF2-40B4-BE49-F238E27FC236}">
+                <a16:creationId xmlns:a16="http://schemas.microsoft.com/office/drawing/2014/main" id="{B148E7FF-440F-6D00-8415-BF4B6735D342}"/>
+              </a:ext>
+            </a:extLst>
+          </p:cNvPr>
+          <p:cNvCxnSpPr>
+            <a:cxnSpLocks/>
+          </p:cNvCxnSpPr>
+          <p:nvPr/>
+        </p:nvCxnSpPr>
+        <p:spPr>
+          <a:xfrm>
+            <a:off x="6779635" y="3260197"/>
+            <a:ext cx="504899" cy="0"/>
+          </a:xfrm>
+          <a:prstGeom prst="straightConnector1">
+            <a:avLst/>
+          </a:prstGeom>
+          <a:ln w="57150">
+            <a:tailEnd type="triangle"/>
+          </a:ln>
+        </p:spPr>
+        <p:style>
+          <a:lnRef idx="2">
+            <a:schemeClr val="dk1"/>
+          </a:lnRef>
+          <a:fillRef idx="0">
+            <a:schemeClr val="dk1"/>
+          </a:fillRef>
+          <a:effectRef idx="1">
+            <a:schemeClr val="dk1"/>
+          </a:effectRef>
+          <a:fontRef idx="minor">
+            <a:schemeClr val="tx1"/>
+          </a:fontRef>
+        </p:style>
+      </p:cxnSp>
+      <p:cxnSp>
+        <p:nvCxnSpPr>
+          <p:cNvPr id="161" name="Connecteur droit avec flèche 160">
+            <a:extLst>
+              <a:ext uri="{FF2B5EF4-FFF2-40B4-BE49-F238E27FC236}">
+                <a16:creationId xmlns:a16="http://schemas.microsoft.com/office/drawing/2014/main" id="{BCEAC794-EB45-049D-5AC4-B3222746DD2A}"/>
+              </a:ext>
+            </a:extLst>
+          </p:cNvPr>
+          <p:cNvCxnSpPr>
+            <a:cxnSpLocks/>
+          </p:cNvCxnSpPr>
+          <p:nvPr/>
+        </p:nvCxnSpPr>
+        <p:spPr>
+          <a:xfrm>
+            <a:off x="6339044" y="1508136"/>
+            <a:ext cx="1269309" cy="0"/>
+          </a:xfrm>
+          <a:prstGeom prst="straightConnector1">
+            <a:avLst/>
+          </a:prstGeom>
+          <a:ln w="57150">
+            <a:tailEnd type="triangle"/>
+          </a:ln>
+        </p:spPr>
+        <p:style>
+          <a:lnRef idx="2">
+            <a:schemeClr val="dk1"/>
+          </a:lnRef>
+          <a:fillRef idx="0">
+            <a:schemeClr val="dk1"/>
+          </a:fillRef>
+          <a:effectRef idx="1">
+            <a:schemeClr val="dk1"/>
+          </a:effectRef>
+          <a:fontRef idx="minor">
+            <a:schemeClr val="tx1"/>
+          </a:fontRef>
+        </p:style>
+      </p:cxnSp>
+    </p:spTree>
+    <p:extLst>
+      <p:ext uri="{BB962C8B-B14F-4D97-AF65-F5344CB8AC3E}">
+        <p14:creationId xmlns:p14="http://schemas.microsoft.com/office/powerpoint/2010/main" val="764410578"/>
       </p:ext>
     </p:extLst>
   </p:cSld>
